--- a/RestaurantManagement.pptx
+++ b/RestaurantManagement.pptx
@@ -27,19 +27,27 @@
     <p:sldId id="271" r:id="rId21"/>
     <p:sldId id="272" r:id="rId22"/>
     <p:sldId id="273" r:id="rId23"/>
+    <p:sldId id="274" r:id="rId24"/>
   </p:sldIdLst>
   <p:sldSz cy="6858000" cx="12192000"/>
   <p:notesSz cx="6858000" cy="9144000"/>
   <p:embeddedFontLst>
     <p:embeddedFont>
       <p:font typeface="Oswald Light"/>
-      <p:regular r:id="rId24"/>
-      <p:bold r:id="rId25"/>
+      <p:regular r:id="rId25"/>
+      <p:bold r:id="rId26"/>
     </p:embeddedFont>
     <p:embeddedFont>
       <p:font typeface="Oswald"/>
-      <p:regular r:id="rId26"/>
-      <p:bold r:id="rId27"/>
+      <p:regular r:id="rId27"/>
+      <p:bold r:id="rId28"/>
+    </p:embeddedFont>
+    <p:embeddedFont>
+      <p:font typeface="Roboto Mono"/>
+      <p:regular r:id="rId29"/>
+      <p:bold r:id="rId30"/>
+      <p:italic r:id="rId31"/>
+      <p:boldItalic r:id="rId32"/>
     </p:embeddedFont>
   </p:embeddedFontLst>
   <p:defaultTextStyle>
@@ -1560,7 +1568,7 @@
       </p:grpSpPr>
       <p:sp>
         <p:nvSpPr>
-          <p:cNvPr id="193" name="Google Shape;193;g26dc8cac33c_0_67:notes"/>
+          <p:cNvPr id="193" name="Google Shape;193;g26dc8cac33c_0_45:notes"/>
           <p:cNvSpPr txBox="1"/>
           <p:nvPr>
             <p:ph idx="1" type="body"/>
@@ -1599,7 +1607,7 @@
       </p:sp>
       <p:sp>
         <p:nvSpPr>
-          <p:cNvPr id="194" name="Google Shape;194;g26dc8cac33c_0_67:notes"/>
+          <p:cNvPr id="194" name="Google Shape;194;g26dc8cac33c_0_45:notes"/>
           <p:cNvSpPr/>
           <p:nvPr>
             <p:ph idx="2" type="sldImg"/>
@@ -1659,7 +1667,7 @@
       </p:grpSpPr>
       <p:sp>
         <p:nvSpPr>
-          <p:cNvPr id="204" name="Google Shape;204;g26dc8cac33c_0_84:notes"/>
+          <p:cNvPr id="204" name="Google Shape;204;g26dc8cac33c_0_56:notes"/>
           <p:cNvSpPr txBox="1"/>
           <p:nvPr>
             <p:ph idx="1" type="body"/>
@@ -1698,7 +1706,7 @@
       </p:sp>
       <p:sp>
         <p:nvSpPr>
-          <p:cNvPr id="205" name="Google Shape;205;g26dc8cac33c_0_84:notes"/>
+          <p:cNvPr id="205" name="Google Shape;205;g26dc8cac33c_0_56:notes"/>
           <p:cNvSpPr/>
           <p:nvPr>
             <p:ph idx="2" type="sldImg"/>
@@ -1758,7 +1766,7 @@
       </p:grpSpPr>
       <p:sp>
         <p:nvSpPr>
-          <p:cNvPr id="215" name="Google Shape;215;g26dc8cac33c_0_96:notes"/>
+          <p:cNvPr id="215" name="Google Shape;215;g26dc8cac33c_0_119:notes"/>
           <p:cNvSpPr txBox="1"/>
           <p:nvPr>
             <p:ph idx="1" type="body"/>
@@ -1797,7 +1805,7 @@
       </p:sp>
       <p:sp>
         <p:nvSpPr>
-          <p:cNvPr id="216" name="Google Shape;216;g26dc8cac33c_0_96:notes"/>
+          <p:cNvPr id="216" name="Google Shape;216;g26dc8cac33c_0_119:notes"/>
           <p:cNvSpPr/>
           <p:nvPr>
             <p:ph idx="2" type="sldImg"/>
@@ -1956,7 +1964,7 @@
       </p:grpSpPr>
       <p:sp>
         <p:nvSpPr>
-          <p:cNvPr id="237" name="Google Shape;237;g26dc8cac33c_0_119:notes"/>
+          <p:cNvPr id="237" name="Google Shape;237;g26dc8cac33c_0_130:notes"/>
           <p:cNvSpPr txBox="1"/>
           <p:nvPr>
             <p:ph idx="1" type="body"/>
@@ -1995,7 +2003,7 @@
       </p:sp>
       <p:sp>
         <p:nvSpPr>
-          <p:cNvPr id="238" name="Google Shape;238;g26dc8cac33c_0_119:notes"/>
+          <p:cNvPr id="238" name="Google Shape;238;g26dc8cac33c_0_130:notes"/>
           <p:cNvSpPr/>
           <p:nvPr>
             <p:ph idx="2" type="sldImg"/>
@@ -2055,7 +2063,7 @@
       </p:grpSpPr>
       <p:sp>
         <p:nvSpPr>
-          <p:cNvPr id="248" name="Google Shape;248;g26dc8cac33c_0_130:notes"/>
+          <p:cNvPr id="248" name="Google Shape;248;g26dc8cac33c_0_67:notes"/>
           <p:cNvSpPr txBox="1"/>
           <p:nvPr>
             <p:ph idx="1" type="body"/>
@@ -2094,7 +2102,7 @@
       </p:sp>
       <p:sp>
         <p:nvSpPr>
-          <p:cNvPr id="249" name="Google Shape;249;g26dc8cac33c_0_130:notes"/>
+          <p:cNvPr id="249" name="Google Shape;249;g26dc8cac33c_0_67:notes"/>
           <p:cNvSpPr/>
           <p:nvPr>
             <p:ph idx="2" type="sldImg"/>
@@ -2154,7 +2162,7 @@
       </p:grpSpPr>
       <p:sp>
         <p:nvSpPr>
-          <p:cNvPr id="259" name="Google Shape;259;p20:notes"/>
+          <p:cNvPr id="259" name="Google Shape;259;g26dc8cac33c_0_142:notes"/>
           <p:cNvSpPr txBox="1"/>
           <p:nvPr>
             <p:ph idx="1" type="body"/>
@@ -2163,7 +2171,7 @@
         <p:spPr>
           <a:xfrm>
             <a:off x="685800" y="4400550"/>
-            <a:ext cx="5486400" cy="3600450"/>
+            <a:ext cx="5486400" cy="3600600"/>
           </a:xfrm>
           <a:prstGeom prst="rect">
             <a:avLst/>
@@ -2193,7 +2201,7 @@
       </p:sp>
       <p:sp>
         <p:nvSpPr>
-          <p:cNvPr id="260" name="Google Shape;260;p20:notes"/>
+          <p:cNvPr id="260" name="Google Shape;260;g26dc8cac33c_0_142:notes"/>
           <p:cNvSpPr/>
           <p:nvPr>
             <p:ph idx="2" type="sldImg"/>
@@ -2239,7 +2247,7 @@
   <p:cSld>
     <p:spTree>
       <p:nvGrpSpPr>
-        <p:cNvPr id="268" name="Shape 268"/>
+        <p:cNvPr id="269" name="Shape 269"/>
         <p:cNvGrpSpPr/>
         <p:nvPr/>
       </p:nvGrpSpPr>
@@ -2253,7 +2261,7 @@
       </p:grpSpPr>
       <p:sp>
         <p:nvSpPr>
-          <p:cNvPr id="269" name="Google Shape;269;p5:notes"/>
+          <p:cNvPr id="270" name="Google Shape;270;p20:notes"/>
           <p:cNvSpPr txBox="1"/>
           <p:nvPr>
             <p:ph idx="1" type="body"/>
@@ -2292,7 +2300,7 @@
       </p:sp>
       <p:sp>
         <p:nvSpPr>
-          <p:cNvPr id="270" name="Google Shape;270;p5:notes"/>
+          <p:cNvPr id="271" name="Google Shape;271;p20:notes"/>
           <p:cNvSpPr/>
           <p:nvPr>
             <p:ph idx="2" type="sldImg"/>
@@ -2338,7 +2346,7 @@
   <p:cSld>
     <p:spTree>
       <p:nvGrpSpPr>
-        <p:cNvPr id="281" name="Shape 281"/>
+        <p:cNvPr id="279" name="Shape 279"/>
         <p:cNvGrpSpPr/>
         <p:nvPr/>
       </p:nvGrpSpPr>
@@ -2352,7 +2360,7 @@
       </p:grpSpPr>
       <p:sp>
         <p:nvSpPr>
-          <p:cNvPr id="282" name="Google Shape;282;p21:notes"/>
+          <p:cNvPr id="280" name="Google Shape;280;p5:notes"/>
           <p:cNvSpPr txBox="1"/>
           <p:nvPr>
             <p:ph idx="1" type="body"/>
@@ -2391,7 +2399,106 @@
       </p:sp>
       <p:sp>
         <p:nvSpPr>
-          <p:cNvPr id="283" name="Google Shape;283;p21:notes"/>
+          <p:cNvPr id="281" name="Google Shape;281;p5:notes"/>
+          <p:cNvSpPr/>
+          <p:nvPr>
+            <p:ph idx="2" type="sldImg"/>
+          </p:nvPr>
+        </p:nvSpPr>
+        <p:spPr>
+          <a:xfrm>
+            <a:off x="685800" y="1143000"/>
+            <a:ext cx="5486400" cy="3086100"/>
+          </a:xfrm>
+          <a:custGeom>
+            <a:rect b="b" l="l" r="r" t="t"/>
+            <a:pathLst>
+              <a:path extrusionOk="0" h="120000" w="120000">
+                <a:moveTo>
+                  <a:pt x="0" y="0"/>
+                </a:moveTo>
+                <a:lnTo>
+                  <a:pt x="120000" y="0"/>
+                </a:lnTo>
+                <a:lnTo>
+                  <a:pt x="120000" y="120000"/>
+                </a:lnTo>
+                <a:lnTo>
+                  <a:pt x="0" y="120000"/>
+                </a:lnTo>
+                <a:close/>
+              </a:path>
+            </a:pathLst>
+          </a:custGeom>
+        </p:spPr>
+      </p:sp>
+    </p:spTree>
+  </p:cSld>
+  <p:clrMapOvr>
+    <a:masterClrMapping/>
+  </p:clrMapOvr>
+</p:notes>
+</file>
+
+<file path=ppt/notesSlides/notesSlide19.xml><?xml version="1.0" encoding="utf-8"?>
+<p:notes xmlns:a="http://schemas.openxmlformats.org/drawingml/2006/main" xmlns:r="http://schemas.openxmlformats.org/officeDocument/2006/relationships" xmlns:mc="http://schemas.openxmlformats.org/markup-compatibility/2006" xmlns:mv="urn:schemas-microsoft-com:mac:vml" xmlns:p="http://schemas.openxmlformats.org/presentationml/2006/main" xmlns:c="http://schemas.openxmlformats.org/drawingml/2006/chart" xmlns:dgm="http://schemas.openxmlformats.org/drawingml/2006/diagram" xmlns:o="urn:schemas-microsoft-com:office:office" xmlns:v="urn:schemas-microsoft-com:vml" xmlns:pvml="urn:schemas-microsoft-com:office:powerpoint" xmlns:com="http://schemas.openxmlformats.org/drawingml/2006/compatibility" xmlns:p14="http://schemas.microsoft.com/office/powerpoint/2010/main" xmlns:p15="http://schemas.microsoft.com/office/powerpoint/2012/main" xmlns:ahyp="http://schemas.microsoft.com/office/drawing/2018/hyperlinkcolor" showMasterPhAnim="0" showMasterSp="0">
+  <p:cSld>
+    <p:spTree>
+      <p:nvGrpSpPr>
+        <p:cNvPr id="292" name="Shape 292"/>
+        <p:cNvGrpSpPr/>
+        <p:nvPr/>
+      </p:nvGrpSpPr>
+      <p:grpSpPr>
+        <a:xfrm>
+          <a:off x="0" y="0"/>
+          <a:ext cx="0" cy="0"/>
+          <a:chOff x="0" y="0"/>
+          <a:chExt cx="0" cy="0"/>
+        </a:xfrm>
+      </p:grpSpPr>
+      <p:sp>
+        <p:nvSpPr>
+          <p:cNvPr id="293" name="Google Shape;293;p21:notes"/>
+          <p:cNvSpPr txBox="1"/>
+          <p:nvPr>
+            <p:ph idx="1" type="body"/>
+          </p:nvPr>
+        </p:nvSpPr>
+        <p:spPr>
+          <a:xfrm>
+            <a:off x="685800" y="4400550"/>
+            <a:ext cx="5486400" cy="3600450"/>
+          </a:xfrm>
+          <a:prstGeom prst="rect">
+            <a:avLst/>
+          </a:prstGeom>
+        </p:spPr>
+        <p:txBody>
+          <a:bodyPr anchorCtr="0" anchor="t" bIns="45700" lIns="91425" spcFirstLastPara="1" rIns="91425" wrap="square" tIns="45700">
+            <a:noAutofit/>
+          </a:bodyPr>
+          <a:lstStyle/>
+          <a:p>
+            <a:pPr indent="0" lvl="0" marL="0" rtl="0" algn="l">
+              <a:spcBef>
+                <a:spcPts val="0"/>
+              </a:spcBef>
+              <a:spcAft>
+                <a:spcPts val="0"/>
+              </a:spcAft>
+              <a:buNone/>
+            </a:pPr>
+            <a:r>
+              <a:t/>
+            </a:r>
+            <a:endParaRPr/>
+          </a:p>
+        </p:txBody>
+      </p:sp>
+      <p:sp>
+        <p:nvSpPr>
+          <p:cNvPr id="294" name="Google Shape;294;p21:notes"/>
           <p:cNvSpPr/>
           <p:nvPr>
             <p:ph idx="2" type="sldImg"/>
@@ -2946,7 +3053,7 @@
       </p:grpSpPr>
       <p:sp>
         <p:nvSpPr>
-          <p:cNvPr id="160" name="Google Shape;160;g26dc8cac33c_0_16:notes"/>
+          <p:cNvPr id="160" name="Google Shape;160;g26dc8cac33c_0_96:notes"/>
           <p:cNvSpPr txBox="1"/>
           <p:nvPr>
             <p:ph idx="1" type="body"/>
@@ -2985,7 +3092,7 @@
       </p:sp>
       <p:sp>
         <p:nvSpPr>
-          <p:cNvPr id="161" name="Google Shape;161;g26dc8cac33c_0_16:notes"/>
+          <p:cNvPr id="161" name="Google Shape;161;g26dc8cac33c_0_96:notes"/>
           <p:cNvSpPr/>
           <p:nvPr>
             <p:ph idx="2" type="sldImg"/>
@@ -3045,7 +3152,7 @@
       </p:grpSpPr>
       <p:sp>
         <p:nvSpPr>
-          <p:cNvPr id="171" name="Google Shape;171;g26dc8cac33c_0_45:notes"/>
+          <p:cNvPr id="171" name="Google Shape;171;g26dc8cac33c_0_16:notes"/>
           <p:cNvSpPr txBox="1"/>
           <p:nvPr>
             <p:ph idx="1" type="body"/>
@@ -3084,7 +3191,7 @@
       </p:sp>
       <p:sp>
         <p:nvSpPr>
-          <p:cNvPr id="172" name="Google Shape;172;g26dc8cac33c_0_45:notes"/>
+          <p:cNvPr id="172" name="Google Shape;172;g26dc8cac33c_0_16:notes"/>
           <p:cNvSpPr/>
           <p:nvPr>
             <p:ph idx="2" type="sldImg"/>
@@ -3144,7 +3251,7 @@
       </p:grpSpPr>
       <p:sp>
         <p:nvSpPr>
-          <p:cNvPr id="182" name="Google Shape;182;g26dc8cac33c_0_56:notes"/>
+          <p:cNvPr id="182" name="Google Shape;182;g26dc8cac33c_0_84:notes"/>
           <p:cNvSpPr txBox="1"/>
           <p:nvPr>
             <p:ph idx="1" type="body"/>
@@ -3183,7 +3290,7 @@
       </p:sp>
       <p:sp>
         <p:nvSpPr>
-          <p:cNvPr id="183" name="Google Shape;183;g26dc8cac33c_0_56:notes"/>
+          <p:cNvPr id="183" name="Google Shape;183;g26dc8cac33c_0_84:notes"/>
           <p:cNvSpPr/>
           <p:nvPr>
             <p:ph idx="2" type="sldImg"/>
@@ -16585,7 +16692,7 @@
         <p:spPr>
           <a:xfrm>
             <a:off x="762000" y="1993825"/>
-            <a:ext cx="4702500" cy="2666400"/>
+            <a:ext cx="5178000" cy="2666400"/>
           </a:xfrm>
           <a:prstGeom prst="rect">
             <a:avLst/>
@@ -16698,7 +16805,7 @@
                 <a:cs typeface="Oswald"/>
                 <a:sym typeface="Oswald"/>
               </a:rPr>
-              <a:t>Command</a:t>
+              <a:t>Prototype</a:t>
             </a:r>
             <a:r>
               <a:rPr lang="en-US" sz="3200">
@@ -16752,7 +16859,7 @@
         <p:spPr>
           <a:xfrm>
             <a:off x="679675" y="2142975"/>
-            <a:ext cx="4702500" cy="2285400"/>
+            <a:ext cx="5178000" cy="2793300"/>
           </a:xfrm>
           <a:prstGeom prst="rect">
             <a:avLst/>
@@ -16779,7 +16886,7 @@
             </a:pPr>
             <a:r>
               <a:rPr lang="en-US" sz="1600"/>
-              <a:t>Used Command Pattern </a:t>
+              <a:t>Used Prototype Pattern </a:t>
             </a:r>
             <a:endParaRPr sz="1600"/>
           </a:p>
@@ -16806,7 +16913,7 @@
                   <a:schemeClr val="accent6"/>
                 </a:solidFill>
               </a:rPr>
-              <a:t>KitchenCommandAPI</a:t>
+              <a:t>MenuItem</a:t>
             </a:r>
             <a:r>
               <a:rPr lang="en-US" sz="1600">
@@ -16814,7 +16921,7 @@
                   <a:schemeClr val="dk1"/>
                 </a:solidFill>
               </a:rPr>
-              <a:t> represents a command/request to the kitchen. </a:t>
+              <a:t> is an abstract class that implements the Cloneable interface</a:t>
             </a:r>
             <a:endParaRPr sz="1600">
               <a:solidFill>
@@ -16823,12 +16930,34 @@
             </a:endParaRPr>
           </a:p>
           <a:p>
+            <a:pPr indent="0" lvl="0" marL="0" rtl="0" algn="l">
+              <a:lnSpc>
+                <a:spcPct val="115000"/>
+              </a:lnSpc>
+              <a:spcBef>
+                <a:spcPts val="1200"/>
+              </a:spcBef>
+              <a:spcAft>
+                <a:spcPts val="0"/>
+              </a:spcAft>
+              <a:buNone/>
+            </a:pPr>
+            <a:r>
+              <a:t/>
+            </a:r>
+            <a:endParaRPr sz="1600">
+              <a:solidFill>
+                <a:schemeClr val="dk1"/>
+              </a:solidFill>
+            </a:endParaRPr>
+          </a:p>
+          <a:p>
             <a:pPr indent="-330200" lvl="0" marL="457200" rtl="0" algn="l">
               <a:lnSpc>
                 <a:spcPct val="115000"/>
               </a:lnSpc>
               <a:spcBef>
-                <a:spcPts val="0"/>
+                <a:spcPts val="1200"/>
               </a:spcBef>
               <a:spcAft>
                 <a:spcPts val="0"/>
@@ -16845,7 +16974,7 @@
                   <a:schemeClr val="accent6"/>
                 </a:solidFill>
               </a:rPr>
-              <a:t>CookDishCommand :</a:t>
+              <a:t>MenuRegistry</a:t>
             </a:r>
             <a:r>
               <a:rPr lang="en-US" sz="1600">
@@ -16853,7 +16982,7 @@
                   <a:schemeClr val="dk1"/>
                 </a:solidFill>
               </a:rPr>
-              <a:t> command to cook a dish</a:t>
+              <a:t> is a central location of the different menu items. Anytime we need a menu item we get a clone of a menu item from here.</a:t>
             </a:r>
             <a:endParaRPr sz="1600">
               <a:solidFill>
@@ -16862,45 +16991,6 @@
             </a:endParaRPr>
           </a:p>
           <a:p>
-            <a:pPr indent="-330200" lvl="0" marL="457200" rtl="0" algn="l">
-              <a:lnSpc>
-                <a:spcPct val="115000"/>
-              </a:lnSpc>
-              <a:spcBef>
-                <a:spcPts val="0"/>
-              </a:spcBef>
-              <a:spcAft>
-                <a:spcPts val="0"/>
-              </a:spcAft>
-              <a:buClr>
-                <a:schemeClr val="dk1"/>
-              </a:buClr>
-              <a:buSzPts val="1600"/>
-              <a:buChar char="➔"/>
-            </a:pPr>
-            <a:r>
-              <a:rPr b="1" lang="en-US" sz="1600">
-                <a:solidFill>
-                  <a:schemeClr val="accent6"/>
-                </a:solidFill>
-              </a:rPr>
-              <a:t>ServeDishCommand :</a:t>
-            </a:r>
-            <a:r>
-              <a:rPr lang="en-US" sz="1600">
-                <a:solidFill>
-                  <a:schemeClr val="dk1"/>
-                </a:solidFill>
-              </a:rPr>
-              <a:t> command to serve a dish</a:t>
-            </a:r>
-            <a:endParaRPr sz="1600">
-              <a:solidFill>
-                <a:schemeClr val="dk1"/>
-              </a:solidFill>
-            </a:endParaRPr>
-          </a:p>
-          <a:p>
             <a:pPr indent="0" lvl="0" marL="457200" rtl="0" algn="l">
               <a:lnSpc>
                 <a:spcPct val="115000"/>
@@ -16921,42 +17011,6 @@
                 <a:schemeClr val="accent6"/>
               </a:solidFill>
             </a:endParaRPr>
-          </a:p>
-          <a:p>
-            <a:pPr indent="0" lvl="0" marL="457200" rtl="0" algn="l">
-              <a:lnSpc>
-                <a:spcPct val="115000"/>
-              </a:lnSpc>
-              <a:spcBef>
-                <a:spcPts val="1200"/>
-              </a:spcBef>
-              <a:spcAft>
-                <a:spcPts val="0"/>
-              </a:spcAft>
-              <a:buNone/>
-            </a:pPr>
-            <a:r>
-              <a:t/>
-            </a:r>
-            <a:endParaRPr b="1" sz="1600"/>
-          </a:p>
-          <a:p>
-            <a:pPr indent="0" lvl="0" marL="457200" rtl="0" algn="l">
-              <a:lnSpc>
-                <a:spcPct val="115000"/>
-              </a:lnSpc>
-              <a:spcBef>
-                <a:spcPts val="1200"/>
-              </a:spcBef>
-              <a:spcAft>
-                <a:spcPts val="0"/>
-              </a:spcAft>
-              <a:buNone/>
-            </a:pPr>
-            <a:r>
-              <a:t/>
-            </a:r>
-            <a:endParaRPr b="1" sz="1600"/>
           </a:p>
           <a:p>
             <a:pPr indent="0" lvl="0" marL="457200" rtl="0" algn="l">
@@ -17139,7 +17193,7 @@
         <p:spPr>
           <a:xfrm>
             <a:off x="762000" y="1993825"/>
-            <a:ext cx="4702500" cy="2666400"/>
+            <a:ext cx="5178000" cy="2666400"/>
           </a:xfrm>
           <a:prstGeom prst="rect">
             <a:avLst/>
@@ -17252,7 +17306,7 @@
                 <a:cs typeface="Oswald"/>
                 <a:sym typeface="Oswald"/>
               </a:rPr>
-              <a:t>Adapter</a:t>
+              <a:t>Strategy</a:t>
             </a:r>
             <a:r>
               <a:rPr lang="en-US" sz="3200">
@@ -17306,7 +17360,7 @@
         <p:spPr>
           <a:xfrm>
             <a:off x="679675" y="2142975"/>
-            <a:ext cx="4702500" cy="2285400"/>
+            <a:ext cx="5178000" cy="2793300"/>
           </a:xfrm>
           <a:prstGeom prst="rect">
             <a:avLst/>
@@ -17322,128 +17376,20 @@
           </a:bodyPr>
           <a:lstStyle/>
           <a:p>
-            <a:pPr indent="0" lvl="0" marL="457200" rtl="0" algn="l">
-              <a:spcBef>
-                <a:spcPts val="0"/>
-              </a:spcBef>
-              <a:spcAft>
-                <a:spcPts val="0"/>
-              </a:spcAft>
-              <a:buNone/>
-            </a:pPr>
-            <a:r>
-              <a:rPr lang="en-US" sz="1600">
-                <a:solidFill>
-                  <a:schemeClr val="dk1"/>
-                </a:solidFill>
-              </a:rPr>
-              <a:t>Used Adapter Pattern to implement Delivery modes</a:t>
-            </a:r>
-            <a:endParaRPr sz="1600">
-              <a:solidFill>
-                <a:schemeClr val="dk1"/>
-              </a:solidFill>
-            </a:endParaRPr>
-          </a:p>
-          <a:p>
-            <a:pPr indent="-330200" lvl="0" marL="914400" rtl="0" algn="l">
-              <a:lnSpc>
-                <a:spcPct val="115000"/>
-              </a:lnSpc>
-              <a:spcBef>
-                <a:spcPts val="1200"/>
-              </a:spcBef>
-              <a:spcAft>
-                <a:spcPts val="0"/>
-              </a:spcAft>
-              <a:buClr>
-                <a:schemeClr val="dk1"/>
-              </a:buClr>
-              <a:buSzPts val="1600"/>
-              <a:buChar char="-"/>
-            </a:pPr>
-            <a:r>
-              <a:rPr b="1" lang="en-US" sz="1600">
-                <a:solidFill>
-                  <a:schemeClr val="accent6"/>
-                </a:solidFill>
-              </a:rPr>
-              <a:t>InHouseDelivery</a:t>
-            </a:r>
-            <a:r>
-              <a:rPr lang="en-US" sz="1600">
-                <a:solidFill>
-                  <a:schemeClr val="dk1"/>
-                </a:solidFill>
-              </a:rPr>
-              <a:t> is the Client API</a:t>
-            </a:r>
-            <a:endParaRPr sz="1600">
-              <a:solidFill>
-                <a:schemeClr val="dk1"/>
-              </a:solidFill>
-            </a:endParaRPr>
-          </a:p>
-          <a:p>
-            <a:pPr indent="-330200" lvl="0" marL="914400" rtl="0" algn="l">
-              <a:lnSpc>
-                <a:spcPct val="115000"/>
-              </a:lnSpc>
-              <a:spcBef>
-                <a:spcPts val="0"/>
-              </a:spcBef>
-              <a:spcAft>
-                <a:spcPts val="0"/>
-              </a:spcAft>
-              <a:buClr>
-                <a:schemeClr val="dk1"/>
-              </a:buClr>
-              <a:buSzPts val="1600"/>
-              <a:buChar char="-"/>
-            </a:pPr>
-            <a:r>
-              <a:rPr b="1" lang="en-US" sz="1600">
-                <a:solidFill>
-                  <a:schemeClr val="accent6"/>
-                </a:solidFill>
-              </a:rPr>
-              <a:t>DoorDashDelivery</a:t>
-            </a:r>
-            <a:r>
-              <a:rPr lang="en-US" sz="1600">
-                <a:solidFill>
-                  <a:schemeClr val="dk1"/>
-                </a:solidFill>
-              </a:rPr>
-              <a:t> represents the Third party API</a:t>
-            </a:r>
-            <a:endParaRPr sz="1600">
-              <a:solidFill>
-                <a:schemeClr val="dk1"/>
-              </a:solidFill>
-            </a:endParaRPr>
-          </a:p>
-          <a:p>
-            <a:pPr indent="0" lvl="0" marL="914400" rtl="0" algn="l">
-              <a:lnSpc>
-                <a:spcPct val="115000"/>
-              </a:lnSpc>
-              <a:spcBef>
-                <a:spcPts val="1200"/>
-              </a:spcBef>
-              <a:spcAft>
-                <a:spcPts val="0"/>
-              </a:spcAft>
-              <a:buNone/>
-            </a:pPr>
-            <a:r>
-              <a:t/>
-            </a:r>
-            <a:endParaRPr b="1" sz="1600">
-              <a:solidFill>
-                <a:schemeClr val="dk1"/>
-              </a:solidFill>
-            </a:endParaRPr>
+            <a:pPr indent="0" lvl="0" marL="0" rtl="0" algn="l">
+              <a:spcBef>
+                <a:spcPts val="0"/>
+              </a:spcBef>
+              <a:spcAft>
+                <a:spcPts val="0"/>
+              </a:spcAft>
+              <a:buNone/>
+            </a:pPr>
+            <a:r>
+              <a:rPr lang="en-US" sz="1600"/>
+              <a:t>Used Strategy Pattern </a:t>
+            </a:r>
+            <a:endParaRPr sz="1600"/>
           </a:p>
           <a:p>
             <a:pPr indent="0" lvl="0" marL="457200" rtl="0" algn="l">
@@ -17459,13 +17405,78 @@
               <a:buNone/>
             </a:pPr>
             <a:r>
-              <a:t/>
-            </a:r>
-            <a:endParaRPr b="1" sz="1600">
-              <a:solidFill>
-                <a:schemeClr val="dk1"/>
-              </a:solidFill>
-            </a:endParaRPr>
+              <a:rPr b="1" lang="en-US" sz="1600">
+                <a:solidFill>
+                  <a:schemeClr val="accent6"/>
+                </a:solidFill>
+              </a:rPr>
+              <a:t>PaymentStrategy</a:t>
+            </a:r>
+            <a:r>
+              <a:rPr lang="en-US" sz="1600"/>
+              <a:t> is an interface that represents a  different payment strategies to pay for the order</a:t>
+            </a:r>
+            <a:endParaRPr sz="1600"/>
+          </a:p>
+          <a:p>
+            <a:pPr indent="-330200" lvl="0" marL="457200" rtl="0" algn="l">
+              <a:lnSpc>
+                <a:spcPct val="115000"/>
+              </a:lnSpc>
+              <a:spcBef>
+                <a:spcPts val="1200"/>
+              </a:spcBef>
+              <a:spcAft>
+                <a:spcPts val="0"/>
+              </a:spcAft>
+              <a:buSzPts val="1600"/>
+              <a:buChar char="➔"/>
+            </a:pPr>
+            <a:r>
+              <a:rPr lang="en-US" sz="1600"/>
+              <a:t>OnlinePaymentStrategy</a:t>
+            </a:r>
+            <a:endParaRPr sz="1600"/>
+          </a:p>
+          <a:p>
+            <a:pPr indent="-330200" lvl="0" marL="457200" rtl="0" algn="l">
+              <a:lnSpc>
+                <a:spcPct val="115000"/>
+              </a:lnSpc>
+              <a:spcBef>
+                <a:spcPts val="0"/>
+              </a:spcBef>
+              <a:spcAft>
+                <a:spcPts val="0"/>
+              </a:spcAft>
+              <a:buSzPts val="1600"/>
+              <a:buChar char="➔"/>
+            </a:pPr>
+            <a:r>
+              <a:rPr lang="en-US" sz="1600"/>
+              <a:t>CreditCardPaymentStrategy</a:t>
+            </a:r>
+            <a:endParaRPr sz="1600"/>
+          </a:p>
+          <a:p>
+            <a:pPr indent="-330200" lvl="0" marL="457200" rtl="0" algn="l">
+              <a:lnSpc>
+                <a:spcPct val="115000"/>
+              </a:lnSpc>
+              <a:spcBef>
+                <a:spcPts val="0"/>
+              </a:spcBef>
+              <a:spcAft>
+                <a:spcPts val="0"/>
+              </a:spcAft>
+              <a:buSzPts val="1600"/>
+              <a:buChar char="➔"/>
+            </a:pPr>
+            <a:r>
+              <a:rPr lang="en-US" sz="1600"/>
+              <a:t>CashPaymentStrategy</a:t>
+            </a:r>
+            <a:endParaRPr sz="1600"/>
           </a:p>
           <a:p>
             <a:pPr indent="0" lvl="0" marL="457200" rtl="0" algn="l">
@@ -17483,11 +17494,7 @@
             <a:r>
               <a:t/>
             </a:r>
-            <a:endParaRPr b="1" sz="1600">
-              <a:solidFill>
-                <a:schemeClr val="dk1"/>
-              </a:solidFill>
-            </a:endParaRPr>
+            <a:endParaRPr b="1" sz="1600"/>
           </a:p>
           <a:p>
             <a:pPr indent="0" lvl="0" marL="457200" rtl="0" algn="l">
@@ -17505,11 +17512,7 @@
             <a:r>
               <a:t/>
             </a:r>
-            <a:endParaRPr b="1" sz="1600">
-              <a:solidFill>
-                <a:schemeClr val="dk1"/>
-              </a:solidFill>
-            </a:endParaRPr>
+            <a:endParaRPr b="1" sz="1600"/>
           </a:p>
           <a:p>
             <a:pPr indent="0" lvl="0" marL="457200" rtl="0" algn="l">
@@ -17524,11 +17527,7 @@
             <a:r>
               <a:t/>
             </a:r>
-            <a:endParaRPr b="1" sz="1600">
-              <a:solidFill>
-                <a:schemeClr val="dk1"/>
-              </a:solidFill>
-            </a:endParaRPr>
+            <a:endParaRPr b="1" sz="1600"/>
           </a:p>
           <a:p>
             <a:pPr indent="0" lvl="0" marL="0" rtl="0" algn="l">
@@ -17543,11 +17542,7 @@
             <a:r>
               <a:t/>
             </a:r>
-            <a:endParaRPr sz="1600">
-              <a:solidFill>
-                <a:schemeClr val="dk1"/>
-              </a:solidFill>
-            </a:endParaRPr>
+            <a:endParaRPr sz="1600"/>
           </a:p>
           <a:p>
             <a:pPr indent="0" lvl="0" marL="0" rtl="0" algn="l">
@@ -17562,11 +17557,7 @@
             <a:r>
               <a:t/>
             </a:r>
-            <a:endParaRPr sz="1600">
-              <a:solidFill>
-                <a:schemeClr val="dk1"/>
-              </a:solidFill>
-            </a:endParaRPr>
+            <a:endParaRPr sz="1600"/>
           </a:p>
           <a:p>
             <a:pPr indent="0" lvl="0" marL="0" rtl="0" algn="l">
@@ -17581,11 +17572,7 @@
             <a:r>
               <a:t/>
             </a:r>
-            <a:endParaRPr sz="1600">
-              <a:solidFill>
-                <a:schemeClr val="dk1"/>
-              </a:solidFill>
-            </a:endParaRPr>
+            <a:endParaRPr sz="1600"/>
           </a:p>
         </p:txBody>
       </p:sp>
@@ -17821,7 +17808,7 @@
                 <a:cs typeface="Oswald"/>
                 <a:sym typeface="Oswald"/>
               </a:rPr>
-              <a:t>Decorator</a:t>
+              <a:t>Template</a:t>
             </a:r>
             <a:r>
               <a:rPr lang="en-US" sz="3200">
@@ -17875,7 +17862,7 @@
         <p:spPr>
           <a:xfrm>
             <a:off x="679675" y="2142975"/>
-            <a:ext cx="4702500" cy="2285400"/>
+            <a:ext cx="4702500" cy="2577600"/>
           </a:xfrm>
           <a:prstGeom prst="rect">
             <a:avLst/>
@@ -17892,38 +17879,73 @@
           <a:lstStyle/>
           <a:p>
             <a:pPr indent="0" lvl="0" marL="0" rtl="0" algn="l">
-              <a:spcBef>
-                <a:spcPts val="0"/>
-              </a:spcBef>
-              <a:spcAft>
-                <a:spcPts val="0"/>
-              </a:spcAft>
-              <a:buNone/>
-            </a:pPr>
-            <a:r>
-              <a:rPr lang="en-US" sz="1600">
+              <a:lnSpc>
+                <a:spcPct val="115000"/>
+              </a:lnSpc>
+              <a:spcBef>
+                <a:spcPts val="1200"/>
+              </a:spcBef>
+              <a:spcAft>
+                <a:spcPts val="0"/>
+              </a:spcAft>
+              <a:buNone/>
+            </a:pPr>
+            <a:r>
+              <a:rPr lang="en-US" sz="1700">
                 <a:solidFill>
                   <a:schemeClr val="dk1"/>
                 </a:solidFill>
               </a:rPr>
-              <a:t>Used Decorator Pattern </a:t>
-            </a:r>
-            <a:r>
-              <a:rPr lang="en-US" sz="1600">
+              <a:t>We used Template Design Pattern to implement the </a:t>
+            </a:r>
+            <a:r>
+              <a:rPr lang="en-US" sz="1700">
                 <a:solidFill>
                   <a:schemeClr val="dk1"/>
                 </a:solidFill>
               </a:rPr>
-              <a:t>to decorate the different dishes in an Order</a:t>
-            </a:r>
-            <a:endParaRPr sz="1600">
+              <a:t>the primitive steps to generate an Order Invoice</a:t>
+            </a:r>
+            <a:r>
+              <a:rPr lang="en-US" sz="1700">
+                <a:solidFill>
+                  <a:srgbClr val="4444CC"/>
+                </a:solidFill>
+              </a:rPr>
+              <a:t> (</a:t>
+            </a:r>
+            <a:r>
+              <a:rPr b="1" lang="en-US" sz="1700">
+                <a:solidFill>
+                  <a:schemeClr val="accent6"/>
+                </a:solidFill>
+              </a:rPr>
+              <a:t>OrderInvoice_Template</a:t>
+            </a:r>
+            <a:r>
+              <a:rPr b="1" lang="en-US" sz="1700">
+                <a:solidFill>
+                  <a:srgbClr val="4444CC"/>
+                </a:solidFill>
+              </a:rPr>
+              <a:t>)</a:t>
+            </a:r>
+            <a:r>
+              <a:rPr lang="en-US" sz="1700">
+                <a:solidFill>
+                  <a:schemeClr val="dk1"/>
+                </a:solidFill>
+              </a:rPr>
+              <a:t> </a:t>
+            </a:r>
+            <a:endParaRPr sz="1700">
               <a:solidFill>
                 <a:schemeClr val="dk1"/>
               </a:solidFill>
             </a:endParaRPr>
           </a:p>
           <a:p>
-            <a:pPr indent="-330200" lvl="0" marL="914400" rtl="0" algn="l">
+            <a:pPr indent="-336550" lvl="0" marL="457200" rtl="0" algn="l">
               <a:lnSpc>
                 <a:spcPct val="115000"/>
               </a:lnSpc>
@@ -17933,120 +17955,90 @@
               <a:spcAft>
                 <a:spcPts val="0"/>
               </a:spcAft>
-              <a:buClr>
-                <a:schemeClr val="accent6"/>
-              </a:buClr>
-              <a:buSzPts val="1600"/>
+              <a:buSzPts val="1700"/>
               <a:buChar char="-"/>
             </a:pPr>
             <a:r>
-              <a:rPr b="1" lang="en-US" sz="1600">
+              <a:rPr b="1" lang="en-US" sz="1700">
                 <a:solidFill>
                   <a:schemeClr val="accent6"/>
                 </a:solidFill>
               </a:rPr>
-              <a:t>ExtraProteinDecorator</a:t>
-            </a:r>
-            <a:endParaRPr b="1" sz="1600">
+              <a:t>DineIn_Invoice</a:t>
+            </a:r>
+            <a:r>
+              <a:rPr lang="en-US" sz="1700">
+                <a:solidFill>
+                  <a:schemeClr val="dk1"/>
+                </a:solidFill>
+              </a:rPr>
+              <a:t> is used to generate Dine In Invoices</a:t>
+            </a:r>
+            <a:endParaRPr sz="1700">
+              <a:solidFill>
+                <a:schemeClr val="dk1"/>
+              </a:solidFill>
+            </a:endParaRPr>
+          </a:p>
+          <a:p>
+            <a:pPr indent="-336550" lvl="0" marL="457200" rtl="0" algn="l">
+              <a:lnSpc>
+                <a:spcPct val="115000"/>
+              </a:lnSpc>
+              <a:spcBef>
+                <a:spcPts val="0"/>
+              </a:spcBef>
+              <a:spcAft>
+                <a:spcPts val="0"/>
+              </a:spcAft>
+              <a:buSzPts val="1700"/>
+              <a:buChar char="-"/>
+            </a:pPr>
+            <a:r>
+              <a:rPr b="1" lang="en-US" sz="1700">
+                <a:solidFill>
+                  <a:schemeClr val="accent6"/>
+                </a:solidFill>
+              </a:rPr>
+              <a:t>TakeOut_Invoice</a:t>
+            </a:r>
+            <a:r>
+              <a:rPr lang="en-US" sz="1700">
+                <a:solidFill>
+                  <a:schemeClr val="dk1"/>
+                </a:solidFill>
+              </a:rPr>
+              <a:t> is used to generate Take Out Invoices</a:t>
+            </a:r>
+            <a:endParaRPr sz="1700">
+              <a:solidFill>
+                <a:schemeClr val="dk1"/>
+              </a:solidFill>
+            </a:endParaRPr>
+          </a:p>
+          <a:p>
+            <a:pPr indent="0" lvl="0" marL="0" rtl="0" algn="l">
+              <a:lnSpc>
+                <a:spcPct val="115000"/>
+              </a:lnSpc>
+              <a:spcBef>
+                <a:spcPts val="1200"/>
+              </a:spcBef>
+              <a:spcAft>
+                <a:spcPts val="0"/>
+              </a:spcAft>
+              <a:buNone/>
+            </a:pPr>
+            <a:r>
+              <a:t/>
+            </a:r>
+            <a:endParaRPr b="1" sz="1700">
               <a:solidFill>
                 <a:schemeClr val="accent6"/>
               </a:solidFill>
             </a:endParaRPr>
           </a:p>
           <a:p>
-            <a:pPr indent="-330200" lvl="0" marL="914400" rtl="0" algn="l">
-              <a:lnSpc>
-                <a:spcPct val="115000"/>
-              </a:lnSpc>
-              <a:spcBef>
-                <a:spcPts val="0"/>
-              </a:spcBef>
-              <a:spcAft>
-                <a:spcPts val="0"/>
-              </a:spcAft>
-              <a:buClr>
-                <a:schemeClr val="accent6"/>
-              </a:buClr>
-              <a:buSzPts val="1600"/>
-              <a:buChar char="-"/>
-            </a:pPr>
-            <a:r>
-              <a:rPr b="1" lang="en-US" sz="1600">
-                <a:solidFill>
-                  <a:schemeClr val="accent6"/>
-                </a:solidFill>
-              </a:rPr>
-              <a:t>ExtraRiceDecorator</a:t>
-            </a:r>
-            <a:endParaRPr b="1" sz="2100">
-              <a:solidFill>
-                <a:schemeClr val="accent6"/>
-              </a:solidFill>
-            </a:endParaRPr>
-          </a:p>
-          <a:p>
-            <a:pPr indent="-330200" lvl="0" marL="914400" rtl="0" algn="l">
-              <a:lnSpc>
-                <a:spcPct val="115000"/>
-              </a:lnSpc>
-              <a:spcBef>
-                <a:spcPts val="0"/>
-              </a:spcBef>
-              <a:spcAft>
-                <a:spcPts val="0"/>
-              </a:spcAft>
-              <a:buClr>
-                <a:schemeClr val="accent6"/>
-              </a:buClr>
-              <a:buSzPts val="1600"/>
-              <a:buChar char="-"/>
-            </a:pPr>
-            <a:r>
-              <a:rPr b="1" lang="en-US" sz="1600">
-                <a:solidFill>
-                  <a:schemeClr val="accent6"/>
-                </a:solidFill>
-              </a:rPr>
-              <a:t>ExtraSpicyDecorator</a:t>
-            </a:r>
-            <a:endParaRPr b="1" sz="1600">
-              <a:solidFill>
-                <a:schemeClr val="accent6"/>
-              </a:solidFill>
-            </a:endParaRPr>
-          </a:p>
-          <a:p>
-            <a:pPr indent="-330200" lvl="0" marL="914400" rtl="0" algn="l">
-              <a:lnSpc>
-                <a:spcPct val="115000"/>
-              </a:lnSpc>
-              <a:spcBef>
-                <a:spcPts val="0"/>
-              </a:spcBef>
-              <a:spcAft>
-                <a:spcPts val="0"/>
-              </a:spcAft>
-              <a:buClr>
-                <a:schemeClr val="accent6"/>
-              </a:buClr>
-              <a:buSzPts val="1600"/>
-              <a:buChar char="-"/>
-            </a:pPr>
-            <a:r>
-              <a:rPr b="1" lang="en-US" sz="1600">
-                <a:solidFill>
-                  <a:schemeClr val="accent6"/>
-                </a:solidFill>
-              </a:rPr>
-              <a:t>MildSpicyDecorator</a:t>
-            </a:r>
-            <a:endParaRPr b="1" sz="1600">
-              <a:solidFill>
-                <a:schemeClr val="accent6"/>
-              </a:solidFill>
-            </a:endParaRPr>
-          </a:p>
-          <a:p>
             <a:pPr indent="0" lvl="0" marL="914400" rtl="0" algn="l">
               <a:lnSpc>
                 <a:spcPct val="115000"/>
@@ -18062,7 +18054,7 @@
             <a:r>
               <a:t/>
             </a:r>
-            <a:endParaRPr b="1" sz="1600">
+            <a:endParaRPr b="1" sz="1700">
               <a:solidFill>
                 <a:schemeClr val="dk1"/>
               </a:solidFill>
@@ -18084,7 +18076,7 @@
             <a:r>
               <a:t/>
             </a:r>
-            <a:endParaRPr b="1" sz="1600">
+            <a:endParaRPr b="1" sz="1700">
               <a:solidFill>
                 <a:schemeClr val="dk1"/>
               </a:solidFill>
@@ -18106,7 +18098,7 @@
             <a:r>
               <a:t/>
             </a:r>
-            <a:endParaRPr b="1" sz="1600">
+            <a:endParaRPr b="1" sz="1700">
               <a:solidFill>
                 <a:schemeClr val="dk1"/>
               </a:solidFill>
@@ -18128,7 +18120,7 @@
             <a:r>
               <a:t/>
             </a:r>
-            <a:endParaRPr b="1" sz="1600">
+            <a:endParaRPr b="1" sz="1700">
               <a:solidFill>
                 <a:schemeClr val="dk1"/>
               </a:solidFill>
@@ -18147,7 +18139,7 @@
             <a:r>
               <a:t/>
             </a:r>
-            <a:endParaRPr b="1" sz="1600">
+            <a:endParaRPr b="1" sz="1700">
               <a:solidFill>
                 <a:schemeClr val="dk1"/>
               </a:solidFill>
@@ -18166,7 +18158,7 @@
             <a:r>
               <a:t/>
             </a:r>
-            <a:endParaRPr sz="1600">
+            <a:endParaRPr sz="1700">
               <a:solidFill>
                 <a:schemeClr val="dk1"/>
               </a:solidFill>
@@ -18185,7 +18177,7 @@
             <a:r>
               <a:t/>
             </a:r>
-            <a:endParaRPr sz="1600">
+            <a:endParaRPr sz="1700">
               <a:solidFill>
                 <a:schemeClr val="dk1"/>
               </a:solidFill>
@@ -18204,7 +18196,7 @@
             <a:r>
               <a:t/>
             </a:r>
-            <a:endParaRPr sz="1600">
+            <a:endParaRPr sz="1700">
               <a:solidFill>
                 <a:schemeClr val="dk1"/>
               </a:solidFill>
@@ -18989,7 +18981,7 @@
                 <a:cs typeface="Oswald"/>
                 <a:sym typeface="Oswald"/>
               </a:rPr>
-              <a:t>Template</a:t>
+              <a:t>State</a:t>
             </a:r>
             <a:r>
               <a:rPr lang="en-US" sz="3200">
@@ -19043,7 +19035,7 @@
         <p:spPr>
           <a:xfrm>
             <a:off x="679675" y="2142975"/>
-            <a:ext cx="4702500" cy="2577600"/>
+            <a:ext cx="4702500" cy="3602700"/>
           </a:xfrm>
           <a:prstGeom prst="rect">
             <a:avLst/>
@@ -19059,7 +19051,7 @@
           </a:bodyPr>
           <a:lstStyle/>
           <a:p>
-            <a:pPr indent="0" lvl="0" marL="0" rtl="0" algn="l">
+            <a:pPr indent="0" lvl="0" marL="457200" rtl="0" algn="l">
               <a:lnSpc>
                 <a:spcPct val="115000"/>
               </a:lnSpc>
@@ -19072,61 +19064,45 @@
               <a:buNone/>
             </a:pPr>
             <a:r>
-              <a:rPr lang="en-US" sz="1700">
+              <a:rPr lang="en-US" sz="1600">
                 <a:solidFill>
                   <a:schemeClr val="dk1"/>
                 </a:solidFill>
               </a:rPr>
-              <a:t>We used Template Design Pattern to implement the </a:t>
-            </a:r>
-            <a:r>
-              <a:rPr lang="en-US" sz="1700">
-                <a:solidFill>
-                  <a:schemeClr val="dk1"/>
-                </a:solidFill>
-              </a:rPr>
-              <a:t>the primitive steps to generate an Order Invoice</a:t>
-            </a:r>
-            <a:r>
-              <a:rPr lang="en-US" sz="1700">
+              <a:t>Used</a:t>
+            </a:r>
+            <a:r>
+              <a:rPr lang="en-US" sz="1600">
                 <a:solidFill>
                   <a:srgbClr val="4444CC"/>
-                </a:solidFill>
-              </a:rPr>
-              <a:t> (</a:t>
-            </a:r>
-            <a:r>
-              <a:rPr b="1" lang="en-US" sz="1700">
-                <a:solidFill>
-                  <a:schemeClr val="accent6"/>
-                </a:solidFill>
-              </a:rPr>
-              <a:t>OrderInvoice_Template</a:t>
-            </a:r>
-            <a:r>
-              <a:rPr b="1" lang="en-US" sz="1700">
-                <a:solidFill>
-                  <a:srgbClr val="4444CC"/>
-                </a:solidFill>
-              </a:rPr>
-              <a:t>)</a:t>
-            </a:r>
-            <a:r>
-              <a:rPr lang="en-US" sz="1700">
-                <a:solidFill>
-                  <a:schemeClr val="dk1"/>
                 </a:solidFill>
               </a:rPr>
               <a:t> </a:t>
             </a:r>
-            <a:endParaRPr sz="1700">
+            <a:r>
+              <a:rPr b="1" lang="en-US" sz="1600">
+                <a:solidFill>
+                  <a:schemeClr val="accent6"/>
+                </a:solidFill>
+              </a:rPr>
+              <a:t>RestaurantTakeoutStateAPI</a:t>
+            </a:r>
+            <a:r>
+              <a:rPr lang="en-US" sz="1600">
+                <a:solidFill>
+                  <a:schemeClr val="dk1"/>
+                </a:solidFill>
+              </a:rPr>
+              <a:t> is an interface containing the state transition methods </a:t>
+            </a:r>
+            <a:endParaRPr sz="1600">
               <a:solidFill>
                 <a:schemeClr val="dk1"/>
               </a:solidFill>
             </a:endParaRPr>
           </a:p>
           <a:p>
-            <a:pPr indent="-336550" lvl="0" marL="457200" rtl="0" algn="l">
+            <a:pPr indent="0" lvl="0" marL="457200" rtl="0" algn="l">
               <a:lnSpc>
                 <a:spcPct val="115000"/>
               </a:lnSpc>
@@ -19136,62 +19112,173 @@
               <a:spcAft>
                 <a:spcPts val="0"/>
               </a:spcAft>
-              <a:buSzPts val="1700"/>
-              <a:buChar char="-"/>
-            </a:pPr>
-            <a:r>
-              <a:rPr b="1" lang="en-US" sz="1700">
+              <a:buNone/>
+            </a:pPr>
+            <a:r>
+              <a:rPr b="1" lang="en-US" sz="1600">
                 <a:solidFill>
                   <a:schemeClr val="accent6"/>
                 </a:solidFill>
               </a:rPr>
-              <a:t>DineIn_Invoice</a:t>
-            </a:r>
-            <a:r>
-              <a:rPr lang="en-US" sz="1700">
+              <a:t>RestaurantDelivery</a:t>
+            </a:r>
+            <a:r>
+              <a:rPr lang="en-US" sz="1600">
                 <a:solidFill>
                   <a:schemeClr val="dk1"/>
                 </a:solidFill>
               </a:rPr>
-              <a:t> is used to generate Dine In Invoices</a:t>
-            </a:r>
-            <a:endParaRPr sz="1700">
+              <a:t> is the class that sets the initial state and holds the initial state transition into </a:t>
+            </a:r>
+            <a:r>
+              <a:rPr lang="en-US" sz="1600">
+                <a:solidFill>
+                  <a:schemeClr val="dk1"/>
+                </a:solidFill>
+              </a:rPr>
+              <a:t>the</a:t>
+            </a:r>
+            <a:r>
+              <a:rPr lang="en-US" sz="1600">
+                <a:solidFill>
+                  <a:schemeClr val="dk1"/>
+                </a:solidFill>
+              </a:rPr>
+              <a:t> selected state</a:t>
+            </a:r>
+            <a:endParaRPr sz="1600">
               <a:solidFill>
                 <a:schemeClr val="dk1"/>
               </a:solidFill>
             </a:endParaRPr>
           </a:p>
           <a:p>
-            <a:pPr indent="-336550" lvl="0" marL="457200" rtl="0" algn="l">
+            <a:pPr indent="-330200" lvl="0" marL="457200" rtl="0" algn="l">
               <a:lnSpc>
                 <a:spcPct val="115000"/>
               </a:lnSpc>
               <a:spcBef>
-                <a:spcPts val="0"/>
-              </a:spcBef>
-              <a:spcAft>
-                <a:spcPts val="0"/>
-              </a:spcAft>
-              <a:buSzPts val="1700"/>
+                <a:spcPts val="1200"/>
+              </a:spcBef>
+              <a:spcAft>
+                <a:spcPts val="0"/>
+              </a:spcAft>
+              <a:buClr>
+                <a:schemeClr val="accent6"/>
+              </a:buClr>
+              <a:buSzPts val="1600"/>
               <a:buChar char="-"/>
             </a:pPr>
             <a:r>
-              <a:rPr b="1" lang="en-US" sz="1700">
+              <a:rPr b="1" lang="en-US" sz="1600">
                 <a:solidFill>
                   <a:schemeClr val="accent6"/>
                 </a:solidFill>
               </a:rPr>
-              <a:t>TakeOut_Invoice</a:t>
-            </a:r>
-            <a:r>
-              <a:rPr lang="en-US" sz="1700">
+              <a:t>SelectItemsState</a:t>
+            </a:r>
+            <a:endParaRPr b="1" sz="1600">
+              <a:solidFill>
+                <a:schemeClr val="accent6"/>
+              </a:solidFill>
+            </a:endParaRPr>
+          </a:p>
+          <a:p>
+            <a:pPr indent="-330200" lvl="0" marL="457200" rtl="0" algn="l">
+              <a:lnSpc>
+                <a:spcPct val="115000"/>
+              </a:lnSpc>
+              <a:spcBef>
+                <a:spcPts val="0"/>
+              </a:spcBef>
+              <a:spcAft>
+                <a:spcPts val="0"/>
+              </a:spcAft>
+              <a:buClr>
+                <a:schemeClr val="accent6"/>
+              </a:buClr>
+              <a:buSzPts val="1600"/>
+              <a:buChar char="-"/>
+            </a:pPr>
+            <a:r>
+              <a:rPr b="1" lang="en-US" sz="1600">
+                <a:solidFill>
+                  <a:schemeClr val="accent6"/>
+                </a:solidFill>
+              </a:rPr>
+              <a:t>SelectPaymentMethodState</a:t>
+            </a:r>
+            <a:endParaRPr b="1" sz="1600">
+              <a:solidFill>
+                <a:schemeClr val="accent6"/>
+              </a:solidFill>
+            </a:endParaRPr>
+          </a:p>
+          <a:p>
+            <a:pPr indent="-330200" lvl="0" marL="457200" rtl="0" algn="l">
+              <a:lnSpc>
+                <a:spcPct val="115000"/>
+              </a:lnSpc>
+              <a:spcBef>
+                <a:spcPts val="0"/>
+              </a:spcBef>
+              <a:spcAft>
+                <a:spcPts val="0"/>
+              </a:spcAft>
+              <a:buClr>
+                <a:schemeClr val="accent6"/>
+              </a:buClr>
+              <a:buSzPts val="1600"/>
+              <a:buChar char="-"/>
+            </a:pPr>
+            <a:r>
+              <a:rPr b="1" lang="en-US" sz="1600">
+                <a:solidFill>
+                  <a:schemeClr val="accent6"/>
+                </a:solidFill>
+              </a:rPr>
+              <a:t>PlaceOrderState </a:t>
+            </a:r>
+            <a:endParaRPr b="1" sz="1600">
+              <a:solidFill>
+                <a:schemeClr val="accent6"/>
+              </a:solidFill>
+            </a:endParaRPr>
+          </a:p>
+          <a:p>
+            <a:pPr indent="-330200" lvl="0" marL="457200" rtl="0" algn="l">
+              <a:lnSpc>
+                <a:spcPct val="115000"/>
+              </a:lnSpc>
+              <a:spcBef>
+                <a:spcPts val="0"/>
+              </a:spcBef>
+              <a:spcAft>
+                <a:spcPts val="0"/>
+              </a:spcAft>
+              <a:buClr>
+                <a:schemeClr val="accent6"/>
+              </a:buClr>
+              <a:buSzPts val="1600"/>
+              <a:buChar char="-"/>
+            </a:pPr>
+            <a:r>
+              <a:rPr b="1" lang="en-US" sz="1600">
+                <a:solidFill>
+                  <a:schemeClr val="accent6"/>
+                </a:solidFill>
+              </a:rPr>
+              <a:t>CancelState</a:t>
+            </a:r>
+            <a:r>
+              <a:rPr lang="en-US" sz="1600">
                 <a:solidFill>
                   <a:schemeClr val="dk1"/>
                 </a:solidFill>
               </a:rPr>
-              <a:t> is used to generate Take Out Invoices</a:t>
-            </a:r>
-            <a:endParaRPr sz="1700">
+              <a:t> </a:t>
+            </a:r>
+            <a:endParaRPr sz="1600">
               <a:solidFill>
                 <a:schemeClr val="dk1"/>
               </a:solidFill>
@@ -19617,7 +19704,7 @@
                 <a:cs typeface="Oswald"/>
                 <a:sym typeface="Oswald"/>
               </a:rPr>
-              <a:t>State</a:t>
+              <a:t>Command</a:t>
             </a:r>
             <a:r>
               <a:rPr lang="en-US" sz="3200">
@@ -19671,7 +19758,7 @@
         <p:spPr>
           <a:xfrm>
             <a:off x="679675" y="2142975"/>
-            <a:ext cx="4702500" cy="3602700"/>
+            <a:ext cx="4702500" cy="2285400"/>
           </a:xfrm>
           <a:prstGeom prst="rect">
             <a:avLst/>
@@ -19687,7 +19774,23 @@
           </a:bodyPr>
           <a:lstStyle/>
           <a:p>
-            <a:pPr indent="0" lvl="0" marL="457200" rtl="0" algn="l">
+            <a:pPr indent="0" lvl="0" marL="0" rtl="0" algn="l">
+              <a:spcBef>
+                <a:spcPts val="0"/>
+              </a:spcBef>
+              <a:spcAft>
+                <a:spcPts val="0"/>
+              </a:spcAft>
+              <a:buNone/>
+            </a:pPr>
+            <a:r>
+              <a:rPr lang="en-US" sz="1600"/>
+              <a:t>Used Command Pattern </a:t>
+            </a:r>
+            <a:endParaRPr sz="1600"/>
+          </a:p>
+          <a:p>
+            <a:pPr indent="-330200" lvl="0" marL="457200" rtl="0" algn="l">
               <a:lnSpc>
                 <a:spcPct val="115000"/>
               </a:lnSpc>
@@ -19697,39 +19800,27 @@
               <a:spcAft>
                 <a:spcPts val="0"/>
               </a:spcAft>
-              <a:buNone/>
-            </a:pPr>
+              <a:buClr>
+                <a:schemeClr val="dk1"/>
+              </a:buClr>
+              <a:buSzPts val="1600"/>
+              <a:buChar char="➔"/>
+            </a:pPr>
+            <a:r>
+              <a:rPr b="1" lang="en-US" sz="1600">
+                <a:solidFill>
+                  <a:schemeClr val="accent6"/>
+                </a:solidFill>
+              </a:rPr>
+              <a:t>KitchenCommandAPI</a:t>
+            </a:r>
             <a:r>
               <a:rPr lang="en-US" sz="1600">
                 <a:solidFill>
                   <a:schemeClr val="dk1"/>
                 </a:solidFill>
               </a:rPr>
-              <a:t>Used</a:t>
-            </a:r>
-            <a:r>
-              <a:rPr lang="en-US" sz="1600">
-                <a:solidFill>
-                  <a:srgbClr val="4444CC"/>
-                </a:solidFill>
-              </a:rPr>
-              <a:t> </a:t>
-            </a:r>
-            <a:r>
-              <a:rPr b="1" lang="en-US" sz="1600">
-                <a:solidFill>
-                  <a:schemeClr val="accent6"/>
-                </a:solidFill>
-              </a:rPr>
-              <a:t>RestaurantTakeoutStateAPI</a:t>
-            </a:r>
-            <a:r>
-              <a:rPr lang="en-US" sz="1600">
-                <a:solidFill>
-                  <a:schemeClr val="dk1"/>
-                </a:solidFill>
-              </a:rPr>
-              <a:t> is an interface containing the state transition methods </a:t>
+              <a:t> represents a command/request to the kitchen. </a:t>
             </a:r>
             <a:endParaRPr sz="1600">
               <a:solidFill>
@@ -19738,17 +19829,21 @@
             </a:endParaRPr>
           </a:p>
           <a:p>
-            <a:pPr indent="0" lvl="0" marL="457200" rtl="0" algn="l">
+            <a:pPr indent="-330200" lvl="0" marL="457200" rtl="0" algn="l">
               <a:lnSpc>
                 <a:spcPct val="115000"/>
               </a:lnSpc>
               <a:spcBef>
-                <a:spcPts val="1200"/>
-              </a:spcBef>
-              <a:spcAft>
-                <a:spcPts val="0"/>
-              </a:spcAft>
-              <a:buNone/>
+                <a:spcPts val="0"/>
+              </a:spcBef>
+              <a:spcAft>
+                <a:spcPts val="0"/>
+              </a:spcAft>
+              <a:buClr>
+                <a:schemeClr val="dk1"/>
+              </a:buClr>
+              <a:buSzPts val="1600"/>
+              <a:buChar char="➔"/>
             </a:pPr>
             <a:r>
               <a:rPr b="1" lang="en-US" sz="1600">
@@ -19756,7 +19851,7 @@
                   <a:schemeClr val="accent6"/>
                 </a:solidFill>
               </a:rPr>
-              <a:t>RestaurantDelivery</a:t>
+              <a:t>CookDishCommand :</a:t>
             </a:r>
             <a:r>
               <a:rPr lang="en-US" sz="1600">
@@ -19764,23 +19859,7 @@
                   <a:schemeClr val="dk1"/>
                 </a:solidFill>
               </a:rPr>
-              <a:t> is the class that sets the initial state and holds the initial state transition into </a:t>
-            </a:r>
-            <a:r>
-              <a:rPr lang="en-US" sz="1600">
-                <a:solidFill>
-                  <a:schemeClr val="dk1"/>
-                </a:solidFill>
-              </a:rPr>
-              <a:t>the</a:t>
-            </a:r>
-            <a:r>
-              <a:rPr lang="en-US" sz="1600">
-                <a:solidFill>
-                  <a:schemeClr val="dk1"/>
-                </a:solidFill>
-              </a:rPr>
-              <a:t> selected state</a:t>
+              <a:t> command to cook a dish</a:t>
             </a:r>
             <a:endParaRPr sz="1600">
               <a:solidFill>
@@ -19794,16 +19873,16 @@
                 <a:spcPct val="115000"/>
               </a:lnSpc>
               <a:spcBef>
-                <a:spcPts val="1200"/>
+                <a:spcPts val="0"/>
               </a:spcBef>
               <a:spcAft>
                 <a:spcPts val="0"/>
               </a:spcAft>
               <a:buClr>
-                <a:schemeClr val="accent6"/>
+                <a:schemeClr val="dk1"/>
               </a:buClr>
               <a:buSzPts val="1600"/>
-              <a:buChar char="-"/>
+              <a:buChar char="➔"/>
             </a:pPr>
             <a:r>
               <a:rPr b="1" lang="en-US" sz="1600">
@@ -19811,7 +19890,37 @@
                   <a:schemeClr val="accent6"/>
                 </a:solidFill>
               </a:rPr>
-              <a:t>SelectItemsState</a:t>
+              <a:t>ServeDishCommand :</a:t>
+            </a:r>
+            <a:r>
+              <a:rPr lang="en-US" sz="1600">
+                <a:solidFill>
+                  <a:schemeClr val="dk1"/>
+                </a:solidFill>
+              </a:rPr>
+              <a:t> command to serve a dish</a:t>
+            </a:r>
+            <a:endParaRPr sz="1600">
+              <a:solidFill>
+                <a:schemeClr val="dk1"/>
+              </a:solidFill>
+            </a:endParaRPr>
+          </a:p>
+          <a:p>
+            <a:pPr indent="0" lvl="0" marL="457200" rtl="0" algn="l">
+              <a:lnSpc>
+                <a:spcPct val="115000"/>
+              </a:lnSpc>
+              <a:spcBef>
+                <a:spcPts val="1200"/>
+              </a:spcBef>
+              <a:spcAft>
+                <a:spcPts val="0"/>
+              </a:spcAft>
+              <a:buNone/>
+            </a:pPr>
+            <a:r>
+              <a:t/>
             </a:r>
             <a:endParaRPr b="1" sz="1600">
               <a:solidFill>
@@ -19820,151 +19929,6 @@
             </a:endParaRPr>
           </a:p>
           <a:p>
-            <a:pPr indent="-330200" lvl="0" marL="457200" rtl="0" algn="l">
-              <a:lnSpc>
-                <a:spcPct val="115000"/>
-              </a:lnSpc>
-              <a:spcBef>
-                <a:spcPts val="0"/>
-              </a:spcBef>
-              <a:spcAft>
-                <a:spcPts val="0"/>
-              </a:spcAft>
-              <a:buClr>
-                <a:schemeClr val="accent6"/>
-              </a:buClr>
-              <a:buSzPts val="1600"/>
-              <a:buChar char="-"/>
-            </a:pPr>
-            <a:r>
-              <a:rPr b="1" lang="en-US" sz="1600">
-                <a:solidFill>
-                  <a:schemeClr val="accent6"/>
-                </a:solidFill>
-              </a:rPr>
-              <a:t>SelectPaymentMethodState</a:t>
-            </a:r>
-            <a:endParaRPr b="1" sz="1600">
-              <a:solidFill>
-                <a:schemeClr val="accent6"/>
-              </a:solidFill>
-            </a:endParaRPr>
-          </a:p>
-          <a:p>
-            <a:pPr indent="-330200" lvl="0" marL="457200" rtl="0" algn="l">
-              <a:lnSpc>
-                <a:spcPct val="115000"/>
-              </a:lnSpc>
-              <a:spcBef>
-                <a:spcPts val="0"/>
-              </a:spcBef>
-              <a:spcAft>
-                <a:spcPts val="0"/>
-              </a:spcAft>
-              <a:buClr>
-                <a:schemeClr val="accent6"/>
-              </a:buClr>
-              <a:buSzPts val="1600"/>
-              <a:buChar char="-"/>
-            </a:pPr>
-            <a:r>
-              <a:rPr b="1" lang="en-US" sz="1600">
-                <a:solidFill>
-                  <a:schemeClr val="accent6"/>
-                </a:solidFill>
-              </a:rPr>
-              <a:t>PlaceOrderState </a:t>
-            </a:r>
-            <a:endParaRPr b="1" sz="1600">
-              <a:solidFill>
-                <a:schemeClr val="accent6"/>
-              </a:solidFill>
-            </a:endParaRPr>
-          </a:p>
-          <a:p>
-            <a:pPr indent="-330200" lvl="0" marL="457200" rtl="0" algn="l">
-              <a:lnSpc>
-                <a:spcPct val="115000"/>
-              </a:lnSpc>
-              <a:spcBef>
-                <a:spcPts val="0"/>
-              </a:spcBef>
-              <a:spcAft>
-                <a:spcPts val="0"/>
-              </a:spcAft>
-              <a:buClr>
-                <a:schemeClr val="accent6"/>
-              </a:buClr>
-              <a:buSzPts val="1600"/>
-              <a:buChar char="-"/>
-            </a:pPr>
-            <a:r>
-              <a:rPr b="1" lang="en-US" sz="1600">
-                <a:solidFill>
-                  <a:schemeClr val="accent6"/>
-                </a:solidFill>
-              </a:rPr>
-              <a:t>CancelState</a:t>
-            </a:r>
-            <a:r>
-              <a:rPr lang="en-US" sz="1600">
-                <a:solidFill>
-                  <a:schemeClr val="dk1"/>
-                </a:solidFill>
-              </a:rPr>
-              <a:t> </a:t>
-            </a:r>
-            <a:endParaRPr sz="1600">
-              <a:solidFill>
-                <a:schemeClr val="dk1"/>
-              </a:solidFill>
-            </a:endParaRPr>
-          </a:p>
-          <a:p>
-            <a:pPr indent="0" lvl="0" marL="0" rtl="0" algn="l">
-              <a:lnSpc>
-                <a:spcPct val="115000"/>
-              </a:lnSpc>
-              <a:spcBef>
-                <a:spcPts val="1200"/>
-              </a:spcBef>
-              <a:spcAft>
-                <a:spcPts val="0"/>
-              </a:spcAft>
-              <a:buNone/>
-            </a:pPr>
-            <a:r>
-              <a:t/>
-            </a:r>
-            <a:endParaRPr b="1" sz="1700">
-              <a:solidFill>
-                <a:schemeClr val="accent6"/>
-              </a:solidFill>
-            </a:endParaRPr>
-          </a:p>
-          <a:p>
-            <a:pPr indent="0" lvl="0" marL="914400" rtl="0" algn="l">
-              <a:lnSpc>
-                <a:spcPct val="115000"/>
-              </a:lnSpc>
-              <a:spcBef>
-                <a:spcPts val="1200"/>
-              </a:spcBef>
-              <a:spcAft>
-                <a:spcPts val="0"/>
-              </a:spcAft>
-              <a:buNone/>
-            </a:pPr>
-            <a:r>
-              <a:t/>
-            </a:r>
-            <a:endParaRPr b="1" sz="1700">
-              <a:solidFill>
-                <a:schemeClr val="dk1"/>
-              </a:solidFill>
-            </a:endParaRPr>
-          </a:p>
-          <a:p>
             <a:pPr indent="0" lvl="0" marL="457200" rtl="0" algn="l">
               <a:lnSpc>
                 <a:spcPct val="115000"/>
@@ -19980,11 +19944,7 @@
             <a:r>
               <a:t/>
             </a:r>
-            <a:endParaRPr b="1" sz="1700">
-              <a:solidFill>
-                <a:schemeClr val="dk1"/>
-              </a:solidFill>
-            </a:endParaRPr>
+            <a:endParaRPr b="1" sz="1600"/>
           </a:p>
           <a:p>
             <a:pPr indent="0" lvl="0" marL="457200" rtl="0" algn="l">
@@ -20002,17 +19962,10 @@
             <a:r>
               <a:t/>
             </a:r>
-            <a:endParaRPr b="1" sz="1700">
-              <a:solidFill>
-                <a:schemeClr val="dk1"/>
-              </a:solidFill>
-            </a:endParaRPr>
+            <a:endParaRPr b="1" sz="1600"/>
           </a:p>
           <a:p>
             <a:pPr indent="0" lvl="0" marL="457200" rtl="0" algn="l">
-              <a:lnSpc>
-                <a:spcPct val="115000"/>
-              </a:lnSpc>
               <a:spcBef>
                 <a:spcPts val="1200"/>
               </a:spcBef>
@@ -20024,16 +19977,12 @@
             <a:r>
               <a:t/>
             </a:r>
-            <a:endParaRPr b="1" sz="1700">
-              <a:solidFill>
-                <a:schemeClr val="dk1"/>
-              </a:solidFill>
-            </a:endParaRPr>
-          </a:p>
-          <a:p>
-            <a:pPr indent="0" lvl="0" marL="457200" rtl="0" algn="l">
-              <a:spcBef>
-                <a:spcPts val="1200"/>
+            <a:endParaRPr b="1" sz="1600"/>
+          </a:p>
+          <a:p>
+            <a:pPr indent="0" lvl="0" marL="0" rtl="0" algn="l">
+              <a:spcBef>
+                <a:spcPts val="0"/>
               </a:spcBef>
               <a:spcAft>
                 <a:spcPts val="0"/>
@@ -20043,11 +19992,7 @@
             <a:r>
               <a:t/>
             </a:r>
-            <a:endParaRPr b="1" sz="1700">
-              <a:solidFill>
-                <a:schemeClr val="dk1"/>
-              </a:solidFill>
-            </a:endParaRPr>
+            <a:endParaRPr sz="1600"/>
           </a:p>
           <a:p>
             <a:pPr indent="0" lvl="0" marL="0" rtl="0" algn="l">
@@ -20062,11 +20007,7 @@
             <a:r>
               <a:t/>
             </a:r>
-            <a:endParaRPr sz="1700">
-              <a:solidFill>
-                <a:schemeClr val="dk1"/>
-              </a:solidFill>
-            </a:endParaRPr>
+            <a:endParaRPr sz="1600"/>
           </a:p>
           <a:p>
             <a:pPr indent="0" lvl="0" marL="0" rtl="0" algn="l">
@@ -20081,30 +20022,7 @@
             <a:r>
               <a:t/>
             </a:r>
-            <a:endParaRPr sz="1700">
-              <a:solidFill>
-                <a:schemeClr val="dk1"/>
-              </a:solidFill>
-            </a:endParaRPr>
-          </a:p>
-          <a:p>
-            <a:pPr indent="0" lvl="0" marL="0" rtl="0" algn="l">
-              <a:spcBef>
-                <a:spcPts val="0"/>
-              </a:spcBef>
-              <a:spcAft>
-                <a:spcPts val="0"/>
-              </a:spcAft>
-              <a:buNone/>
-            </a:pPr>
-            <a:r>
-              <a:t/>
-            </a:r>
-            <a:endParaRPr sz="1700">
-              <a:solidFill>
-                <a:schemeClr val="dk1"/>
-              </a:solidFill>
-            </a:endParaRPr>
+            <a:endParaRPr sz="1600"/>
           </a:p>
         </p:txBody>
       </p:sp>
@@ -20201,6 +20119,639 @@
           <a:blip r:embed="rId3">
             <a:alphaModFix/>
           </a:blip>
+          <a:srcRect b="0" l="0" r="0" t="15095"/>
+          <a:stretch/>
+        </p:blipFill>
+        <p:spPr>
+          <a:xfrm>
+            <a:off x="20" y="220727"/>
+            <a:ext cx="12191980" cy="6857990"/>
+          </a:xfrm>
+          <a:prstGeom prst="rect">
+            <a:avLst/>
+          </a:prstGeom>
+          <a:noFill/>
+          <a:ln>
+            <a:noFill/>
+          </a:ln>
+        </p:spPr>
+      </p:pic>
+      <p:sp>
+        <p:nvSpPr>
+          <p:cNvPr id="264" name="Google Shape;264;p30"/>
+          <p:cNvSpPr/>
+          <p:nvPr/>
+        </p:nvSpPr>
+        <p:spPr>
+          <a:xfrm>
+            <a:off x="762000" y="1993825"/>
+            <a:ext cx="4702500" cy="2666400"/>
+          </a:xfrm>
+          <a:prstGeom prst="rect">
+            <a:avLst/>
+          </a:prstGeom>
+          <a:solidFill>
+            <a:schemeClr val="lt1"/>
+          </a:solidFill>
+          <a:ln>
+            <a:noFill/>
+          </a:ln>
+        </p:spPr>
+        <p:txBody>
+          <a:bodyPr anchorCtr="0" anchor="ctr" bIns="45700" lIns="91425" spcFirstLastPara="1" rIns="91425" wrap="square" tIns="45700">
+            <a:noAutofit/>
+          </a:bodyPr>
+          <a:lstStyle/>
+          <a:p>
+            <a:pPr indent="0" lvl="0" marL="0" marR="0" rtl="0" algn="ctr">
+              <a:spcBef>
+                <a:spcPts val="0"/>
+              </a:spcBef>
+              <a:spcAft>
+                <a:spcPts val="0"/>
+              </a:spcAft>
+              <a:buNone/>
+            </a:pPr>
+            <a:r>
+              <a:rPr lang="en-US" sz="1800">
+                <a:solidFill>
+                  <a:schemeClr val="lt1"/>
+                </a:solidFill>
+              </a:rPr>
+              <a:t>fesf</a:t>
+            </a:r>
+            <a:endParaRPr sz="1800">
+              <a:solidFill>
+                <a:schemeClr val="lt1"/>
+              </a:solidFill>
+            </a:endParaRPr>
+          </a:p>
+        </p:txBody>
+      </p:sp>
+      <p:cxnSp>
+        <p:nvCxnSpPr>
+          <p:cNvPr id="265" name="Google Shape;265;p30"/>
+          <p:cNvCxnSpPr/>
+          <p:nvPr/>
+        </p:nvCxnSpPr>
+        <p:spPr>
+          <a:xfrm>
+            <a:off x="1631206" y="4572000"/>
+            <a:ext cx="971100" cy="0"/>
+          </a:xfrm>
+          <a:prstGeom prst="straightConnector1">
+            <a:avLst/>
+          </a:prstGeom>
+          <a:noFill/>
+          <a:ln cap="flat" cmpd="sng" w="31750">
+            <a:solidFill>
+              <a:schemeClr val="dk1"/>
+            </a:solidFill>
+            <a:prstDash val="solid"/>
+            <a:miter lim="800000"/>
+            <a:headEnd len="sm" w="sm" type="none"/>
+            <a:tailEnd len="sm" w="sm" type="none"/>
+          </a:ln>
+        </p:spPr>
+      </p:cxnSp>
+      <p:sp>
+        <p:nvSpPr>
+          <p:cNvPr id="266" name="Google Shape;266;p30"/>
+          <p:cNvSpPr txBox="1"/>
+          <p:nvPr/>
+        </p:nvSpPr>
+        <p:spPr>
+          <a:xfrm>
+            <a:off x="4112173" y="220727"/>
+            <a:ext cx="4572000" cy="585000"/>
+          </a:xfrm>
+          <a:prstGeom prst="rect">
+            <a:avLst/>
+          </a:prstGeom>
+          <a:noFill/>
+          <a:ln>
+            <a:noFill/>
+          </a:ln>
+        </p:spPr>
+        <p:txBody>
+          <a:bodyPr anchorCtr="0" anchor="t" bIns="45700" lIns="91425" spcFirstLastPara="1" rIns="91425" wrap="square" tIns="45700">
+            <a:spAutoFit/>
+          </a:bodyPr>
+          <a:lstStyle/>
+          <a:p>
+            <a:pPr indent="0" lvl="0" marL="0" marR="0" rtl="0" algn="l">
+              <a:spcBef>
+                <a:spcPts val="0"/>
+              </a:spcBef>
+              <a:spcAft>
+                <a:spcPts val="0"/>
+              </a:spcAft>
+              <a:buNone/>
+            </a:pPr>
+            <a:r>
+              <a:rPr lang="en-US" sz="3200">
+                <a:solidFill>
+                  <a:schemeClr val="dk1"/>
+                </a:solidFill>
+                <a:latin typeface="Oswald"/>
+                <a:ea typeface="Oswald"/>
+                <a:cs typeface="Oswald"/>
+                <a:sym typeface="Oswald"/>
+              </a:rPr>
+              <a:t>Observer</a:t>
+            </a:r>
+            <a:r>
+              <a:rPr lang="en-US" sz="3200">
+                <a:solidFill>
+                  <a:schemeClr val="dk1"/>
+                </a:solidFill>
+                <a:latin typeface="Oswald"/>
+                <a:ea typeface="Oswald"/>
+                <a:cs typeface="Oswald"/>
+                <a:sym typeface="Oswald"/>
+              </a:rPr>
+              <a:t> Design Pattern</a:t>
+            </a:r>
+            <a:endParaRPr/>
+          </a:p>
+        </p:txBody>
+      </p:sp>
+      <p:pic>
+        <p:nvPicPr>
+          <p:cNvPr descr="A white background with black and white clouds&#10;&#10;Description automatically generated" id="267" name="Google Shape;267;p30"/>
+          <p:cNvPicPr preferRelativeResize="0"/>
+          <p:nvPr/>
+        </p:nvPicPr>
+        <p:blipFill rotWithShape="1">
+          <a:blip r:embed="rId4">
+            <a:alphaModFix/>
+          </a:blip>
+          <a:srcRect b="0" l="0" r="0" t="0"/>
+          <a:stretch/>
+        </p:blipFill>
+        <p:spPr>
+          <a:xfrm>
+            <a:off x="984469" y="4428352"/>
+            <a:ext cx="3454400" cy="508000"/>
+          </a:xfrm>
+          <a:prstGeom prst="rect">
+            <a:avLst/>
+          </a:prstGeom>
+          <a:noFill/>
+          <a:ln>
+            <a:noFill/>
+          </a:ln>
+        </p:spPr>
+      </p:pic>
+      <p:sp>
+        <p:nvSpPr>
+          <p:cNvPr id="268" name="Google Shape;268;p30"/>
+          <p:cNvSpPr txBox="1"/>
+          <p:nvPr/>
+        </p:nvSpPr>
+        <p:spPr>
+          <a:xfrm>
+            <a:off x="679675" y="2142975"/>
+            <a:ext cx="4702500" cy="4275900"/>
+          </a:xfrm>
+          <a:prstGeom prst="rect">
+            <a:avLst/>
+          </a:prstGeom>
+          <a:noFill/>
+          <a:ln>
+            <a:noFill/>
+          </a:ln>
+        </p:spPr>
+        <p:txBody>
+          <a:bodyPr anchorCtr="0" anchor="t" bIns="91425" lIns="91425" spcFirstLastPara="1" rIns="91425" wrap="square" tIns="91425">
+            <a:noAutofit/>
+          </a:bodyPr>
+          <a:lstStyle/>
+          <a:p>
+            <a:pPr indent="0" lvl="0" marL="0" rtl="0" algn="l">
+              <a:spcBef>
+                <a:spcPts val="0"/>
+              </a:spcBef>
+              <a:spcAft>
+                <a:spcPts val="0"/>
+              </a:spcAft>
+              <a:buNone/>
+            </a:pPr>
+            <a:r>
+              <a:rPr lang="en-US" sz="1600"/>
+              <a:t>Used Observer Pattern to notify the kitchen and the chef about the upcoming orders</a:t>
+            </a:r>
+            <a:endParaRPr sz="1600"/>
+          </a:p>
+          <a:p>
+            <a:pPr indent="-330200" lvl="0" marL="457200" rtl="0" algn="l">
+              <a:lnSpc>
+                <a:spcPct val="115000"/>
+              </a:lnSpc>
+              <a:spcBef>
+                <a:spcPts val="1200"/>
+              </a:spcBef>
+              <a:spcAft>
+                <a:spcPts val="0"/>
+              </a:spcAft>
+              <a:buClr>
+                <a:schemeClr val="dk1"/>
+              </a:buClr>
+              <a:buSzPts val="1600"/>
+              <a:buChar char="➔"/>
+            </a:pPr>
+            <a:r>
+              <a:rPr b="1" lang="en-US" sz="1600">
+                <a:solidFill>
+                  <a:schemeClr val="accent6"/>
+                </a:solidFill>
+                <a:latin typeface="Roboto Mono"/>
+                <a:ea typeface="Roboto Mono"/>
+                <a:cs typeface="Roboto Mono"/>
+                <a:sym typeface="Roboto Mono"/>
+              </a:rPr>
+              <a:t>ObserverAPI</a:t>
+            </a:r>
+            <a:r>
+              <a:rPr lang="en-US" sz="1600">
+                <a:solidFill>
+                  <a:schemeClr val="dk1"/>
+                </a:solidFill>
+              </a:rPr>
+              <a:t> is an interface that the Observers implement to be able to notify users of the set message</a:t>
+            </a:r>
+            <a:endParaRPr sz="1600">
+              <a:solidFill>
+                <a:schemeClr val="dk1"/>
+              </a:solidFill>
+            </a:endParaRPr>
+          </a:p>
+          <a:p>
+            <a:pPr indent="-330200" lvl="0" marL="457200" rtl="0" algn="l">
+              <a:lnSpc>
+                <a:spcPct val="115000"/>
+              </a:lnSpc>
+              <a:spcBef>
+                <a:spcPts val="0"/>
+              </a:spcBef>
+              <a:spcAft>
+                <a:spcPts val="0"/>
+              </a:spcAft>
+              <a:buClr>
+                <a:schemeClr val="dk1"/>
+              </a:buClr>
+              <a:buSzPts val="1600"/>
+              <a:buChar char="➔"/>
+            </a:pPr>
+            <a:r>
+              <a:rPr b="1" lang="en-US" sz="1600">
+                <a:solidFill>
+                  <a:schemeClr val="accent6"/>
+                </a:solidFill>
+                <a:latin typeface="Roboto Mono"/>
+                <a:ea typeface="Roboto Mono"/>
+                <a:cs typeface="Roboto Mono"/>
+                <a:sym typeface="Roboto Mono"/>
+              </a:rPr>
+              <a:t>ObservableAPI</a:t>
+            </a:r>
+            <a:r>
+              <a:rPr lang="en-US" sz="1600">
+                <a:solidFill>
+                  <a:schemeClr val="dk1"/>
+                </a:solidFill>
+              </a:rPr>
+              <a:t> is an interface that the RestaurantObservable implements</a:t>
+            </a:r>
+            <a:endParaRPr sz="1600">
+              <a:solidFill>
+                <a:schemeClr val="dk1"/>
+              </a:solidFill>
+            </a:endParaRPr>
+          </a:p>
+          <a:p>
+            <a:pPr indent="-330200" lvl="0" marL="457200" rtl="0" algn="l">
+              <a:lnSpc>
+                <a:spcPct val="115000"/>
+              </a:lnSpc>
+              <a:spcBef>
+                <a:spcPts val="0"/>
+              </a:spcBef>
+              <a:spcAft>
+                <a:spcPts val="0"/>
+              </a:spcAft>
+              <a:buClr>
+                <a:schemeClr val="dk1"/>
+              </a:buClr>
+              <a:buSzPts val="1600"/>
+              <a:buChar char="➔"/>
+            </a:pPr>
+            <a:r>
+              <a:rPr b="1" lang="en-US" sz="1600">
+                <a:solidFill>
+                  <a:schemeClr val="accent6"/>
+                </a:solidFill>
+                <a:latin typeface="Roboto Mono"/>
+                <a:ea typeface="Roboto Mono"/>
+                <a:cs typeface="Roboto Mono"/>
+                <a:sym typeface="Roboto Mono"/>
+              </a:rPr>
+              <a:t>RestaurantObservable</a:t>
+            </a:r>
+            <a:r>
+              <a:rPr lang="en-US" sz="1600">
+                <a:solidFill>
+                  <a:schemeClr val="dk1"/>
+                </a:solidFill>
+              </a:rPr>
+              <a:t> add/notify/remove observers and set message for notifying users</a:t>
+            </a:r>
+            <a:endParaRPr sz="1600">
+              <a:solidFill>
+                <a:schemeClr val="dk1"/>
+              </a:solidFill>
+            </a:endParaRPr>
+          </a:p>
+          <a:p>
+            <a:pPr indent="-330200" lvl="0" marL="457200" rtl="0" algn="l">
+              <a:lnSpc>
+                <a:spcPct val="115000"/>
+              </a:lnSpc>
+              <a:spcBef>
+                <a:spcPts val="0"/>
+              </a:spcBef>
+              <a:spcAft>
+                <a:spcPts val="0"/>
+              </a:spcAft>
+              <a:buClr>
+                <a:schemeClr val="dk1"/>
+              </a:buClr>
+              <a:buSzPts val="1600"/>
+              <a:buChar char="➔"/>
+            </a:pPr>
+            <a:r>
+              <a:rPr b="1" lang="en-US" sz="1600">
+                <a:solidFill>
+                  <a:schemeClr val="accent6"/>
+                </a:solidFill>
+                <a:latin typeface="Roboto Mono"/>
+                <a:ea typeface="Roboto Mono"/>
+                <a:cs typeface="Roboto Mono"/>
+                <a:sym typeface="Roboto Mono"/>
+              </a:rPr>
+              <a:t>KitchenObserver</a:t>
+            </a:r>
+            <a:r>
+              <a:rPr lang="en-US" sz="1600">
+                <a:solidFill>
+                  <a:srgbClr val="4444CC"/>
+                </a:solidFill>
+                <a:latin typeface="Roboto Mono"/>
+                <a:ea typeface="Roboto Mono"/>
+                <a:cs typeface="Roboto Mono"/>
+                <a:sym typeface="Roboto Mono"/>
+              </a:rPr>
+              <a:t>, </a:t>
+            </a:r>
+            <a:r>
+              <a:rPr b="1" lang="en-US" sz="1600">
+                <a:solidFill>
+                  <a:schemeClr val="accent6"/>
+                </a:solidFill>
+                <a:latin typeface="Roboto Mono"/>
+                <a:ea typeface="Roboto Mono"/>
+                <a:cs typeface="Roboto Mono"/>
+                <a:sym typeface="Roboto Mono"/>
+              </a:rPr>
+              <a:t>ChefObserverAPI</a:t>
+            </a:r>
+            <a:r>
+              <a:rPr lang="en-US" sz="1600">
+                <a:solidFill>
+                  <a:schemeClr val="dk1"/>
+                </a:solidFill>
+              </a:rPr>
+              <a:t> observers participate in the app to notify the kitchen and chefs of any new orders</a:t>
+            </a:r>
+            <a:endParaRPr sz="1600">
+              <a:solidFill>
+                <a:schemeClr val="dk1"/>
+              </a:solidFill>
+            </a:endParaRPr>
+          </a:p>
+          <a:p>
+            <a:pPr indent="0" lvl="0" marL="457200" rtl="0" algn="l">
+              <a:lnSpc>
+                <a:spcPct val="115000"/>
+              </a:lnSpc>
+              <a:spcBef>
+                <a:spcPts val="1200"/>
+              </a:spcBef>
+              <a:spcAft>
+                <a:spcPts val="0"/>
+              </a:spcAft>
+              <a:buNone/>
+            </a:pPr>
+            <a:r>
+              <a:t/>
+            </a:r>
+            <a:endParaRPr b="1" sz="1600">
+              <a:solidFill>
+                <a:schemeClr val="accent6"/>
+              </a:solidFill>
+            </a:endParaRPr>
+          </a:p>
+          <a:p>
+            <a:pPr indent="0" lvl="0" marL="457200" rtl="0" algn="l">
+              <a:lnSpc>
+                <a:spcPct val="115000"/>
+              </a:lnSpc>
+              <a:spcBef>
+                <a:spcPts val="1200"/>
+              </a:spcBef>
+              <a:spcAft>
+                <a:spcPts val="0"/>
+              </a:spcAft>
+              <a:buNone/>
+            </a:pPr>
+            <a:r>
+              <a:t/>
+            </a:r>
+            <a:endParaRPr b="1" sz="1600"/>
+          </a:p>
+          <a:p>
+            <a:pPr indent="0" lvl="0" marL="457200" rtl="0" algn="l">
+              <a:lnSpc>
+                <a:spcPct val="115000"/>
+              </a:lnSpc>
+              <a:spcBef>
+                <a:spcPts val="1200"/>
+              </a:spcBef>
+              <a:spcAft>
+                <a:spcPts val="0"/>
+              </a:spcAft>
+              <a:buNone/>
+            </a:pPr>
+            <a:r>
+              <a:t/>
+            </a:r>
+            <a:endParaRPr b="1" sz="1600"/>
+          </a:p>
+          <a:p>
+            <a:pPr indent="0" lvl="0" marL="457200" rtl="0" algn="l">
+              <a:spcBef>
+                <a:spcPts val="1200"/>
+              </a:spcBef>
+              <a:spcAft>
+                <a:spcPts val="0"/>
+              </a:spcAft>
+              <a:buNone/>
+            </a:pPr>
+            <a:r>
+              <a:t/>
+            </a:r>
+            <a:endParaRPr b="1" sz="1600"/>
+          </a:p>
+          <a:p>
+            <a:pPr indent="0" lvl="0" marL="0" rtl="0" algn="l">
+              <a:spcBef>
+                <a:spcPts val="0"/>
+              </a:spcBef>
+              <a:spcAft>
+                <a:spcPts val="0"/>
+              </a:spcAft>
+              <a:buNone/>
+            </a:pPr>
+            <a:r>
+              <a:t/>
+            </a:r>
+            <a:endParaRPr sz="1600"/>
+          </a:p>
+          <a:p>
+            <a:pPr indent="0" lvl="0" marL="0" rtl="0" algn="l">
+              <a:spcBef>
+                <a:spcPts val="0"/>
+              </a:spcBef>
+              <a:spcAft>
+                <a:spcPts val="0"/>
+              </a:spcAft>
+              <a:buNone/>
+            </a:pPr>
+            <a:r>
+              <a:t/>
+            </a:r>
+            <a:endParaRPr sz="1600"/>
+          </a:p>
+          <a:p>
+            <a:pPr indent="0" lvl="0" marL="0" rtl="0" algn="l">
+              <a:spcBef>
+                <a:spcPts val="0"/>
+              </a:spcBef>
+              <a:spcAft>
+                <a:spcPts val="0"/>
+              </a:spcAft>
+              <a:buNone/>
+            </a:pPr>
+            <a:r>
+              <a:t/>
+            </a:r>
+            <a:endParaRPr sz="1600"/>
+          </a:p>
+        </p:txBody>
+      </p:sp>
+    </p:spTree>
+  </p:cSld>
+  <p:clrMapOvr>
+    <a:masterClrMapping/>
+  </p:clrMapOvr>
+</p:sld>
+</file>
+
+<file path=ppt/slides/slide17.xml><?xml version="1.0" encoding="utf-8"?>
+<p:sld xmlns:a="http://schemas.openxmlformats.org/drawingml/2006/main" xmlns:r="http://schemas.openxmlformats.org/officeDocument/2006/relationships" xmlns:mc="http://schemas.openxmlformats.org/markup-compatibility/2006" xmlns:mv="urn:schemas-microsoft-com:mac:vml" xmlns:p="http://schemas.openxmlformats.org/presentationml/2006/main" xmlns:c="http://schemas.openxmlformats.org/drawingml/2006/chart" xmlns:dgm="http://schemas.openxmlformats.org/drawingml/2006/diagram" xmlns:o="urn:schemas-microsoft-com:office:office" xmlns:v="urn:schemas-microsoft-com:vml" xmlns:pvml="urn:schemas-microsoft-com:office:powerpoint" xmlns:com="http://schemas.openxmlformats.org/drawingml/2006/compatibility" xmlns:p14="http://schemas.microsoft.com/office/powerpoint/2010/main" xmlns:p15="http://schemas.microsoft.com/office/powerpoint/2012/main" xmlns:ahyp="http://schemas.microsoft.com/office/drawing/2018/hyperlinkcolor">
+  <p:cSld>
+    <p:bg>
+      <p:bgPr>
+        <a:solidFill>
+          <a:schemeClr val="lt1"/>
+        </a:solidFill>
+      </p:bgPr>
+    </p:bg>
+    <p:spTree>
+      <p:nvGrpSpPr>
+        <p:cNvPr id="272" name="Shape 272"/>
+        <p:cNvGrpSpPr/>
+        <p:nvPr/>
+      </p:nvGrpSpPr>
+      <p:grpSpPr>
+        <a:xfrm>
+          <a:off x="0" y="0"/>
+          <a:ext cx="0" cy="0"/>
+          <a:chOff x="0" y="0"/>
+          <a:chExt cx="0" cy="0"/>
+        </a:xfrm>
+      </p:grpSpPr>
+      <p:sp>
+        <p:nvSpPr>
+          <p:cNvPr id="273" name="Google Shape;273;p31"/>
+          <p:cNvSpPr/>
+          <p:nvPr/>
+        </p:nvSpPr>
+        <p:spPr>
+          <a:xfrm>
+            <a:off x="0" y="0"/>
+            <a:ext cx="12192000" cy="6858000"/>
+          </a:xfrm>
+          <a:prstGeom prst="rect">
+            <a:avLst/>
+          </a:prstGeom>
+          <a:solidFill>
+            <a:schemeClr val="lt1"/>
+          </a:solidFill>
+          <a:ln>
+            <a:noFill/>
+          </a:ln>
+        </p:spPr>
+        <p:txBody>
+          <a:bodyPr anchorCtr="0" anchor="ctr" bIns="45700" lIns="91425" spcFirstLastPara="1" rIns="91425" wrap="square" tIns="45700">
+            <a:noAutofit/>
+          </a:bodyPr>
+          <a:lstStyle/>
+          <a:p>
+            <a:pPr indent="0" lvl="0" marL="0" marR="0" rtl="0" algn="ctr">
+              <a:spcBef>
+                <a:spcPts val="0"/>
+              </a:spcBef>
+              <a:spcAft>
+                <a:spcPts val="0"/>
+              </a:spcAft>
+              <a:buNone/>
+            </a:pPr>
+            <a:r>
+              <a:t/>
+            </a:r>
+            <a:endParaRPr sz="1800">
+              <a:solidFill>
+                <a:schemeClr val="lt1"/>
+              </a:solidFill>
+              <a:latin typeface="Oswald Light"/>
+              <a:ea typeface="Oswald Light"/>
+              <a:cs typeface="Oswald Light"/>
+              <a:sym typeface="Oswald Light"/>
+            </a:endParaRPr>
+          </a:p>
+        </p:txBody>
+      </p:sp>
+      <p:pic>
+        <p:nvPicPr>
+          <p:cNvPr descr="Blue and red smoke colliding" id="274" name="Google Shape;274;p31"/>
+          <p:cNvPicPr preferRelativeResize="0"/>
+          <p:nvPr/>
+        </p:nvPicPr>
+        <p:blipFill rotWithShape="1">
+          <a:blip r:embed="rId3">
+            <a:alphaModFix/>
+          </a:blip>
           <a:srcRect b="0" l="0" r="0" t="15094"/>
           <a:stretch/>
         </p:blipFill>
@@ -20220,7 +20771,7 @@
       </p:pic>
       <p:sp>
         <p:nvSpPr>
-          <p:cNvPr id="264" name="Google Shape;264;p30"/>
+          <p:cNvPr id="275" name="Google Shape;275;p31"/>
           <p:cNvSpPr/>
           <p:nvPr/>
         </p:nvSpPr>
@@ -20271,7 +20822,7 @@
       </p:sp>
       <p:sp>
         <p:nvSpPr>
-          <p:cNvPr id="265" name="Google Shape;265;p30"/>
+          <p:cNvPr id="276" name="Google Shape;276;p31"/>
           <p:cNvSpPr txBox="1"/>
           <p:nvPr>
             <p:ph type="ctrTitle"/>
@@ -20345,7 +20896,7 @@
       </p:sp>
       <p:cxnSp>
         <p:nvCxnSpPr>
-          <p:cNvPr id="266" name="Google Shape;266;p30"/>
+          <p:cNvPr id="277" name="Google Shape;277;p31"/>
           <p:cNvCxnSpPr/>
           <p:nvPr/>
         </p:nvCxnSpPr>
@@ -20371,14 +20922,14 @@
       </p:cxnSp>
       <p:sp>
         <p:nvSpPr>
-          <p:cNvPr id="267" name="Google Shape;267;p30"/>
+          <p:cNvPr id="278" name="Google Shape;278;p31"/>
           <p:cNvSpPr txBox="1"/>
           <p:nvPr/>
         </p:nvSpPr>
         <p:spPr>
           <a:xfrm>
             <a:off x="1523999" y="2662805"/>
-            <a:ext cx="6264300" cy="2462700"/>
+            <a:ext cx="6264300" cy="2970600"/>
           </a:xfrm>
           <a:prstGeom prst="rect">
             <a:avLst/>
@@ -20394,7 +20945,7 @@
           </a:bodyPr>
           <a:lstStyle/>
           <a:p>
-            <a:pPr indent="-368300" lvl="0" marL="342900" marR="0" rtl="0" algn="l">
+            <a:pPr indent="-368300" lvl="0" marL="457200" rtl="0" algn="l">
               <a:lnSpc>
                 <a:spcPct val="150000"/>
               </a:lnSpc>
@@ -20416,12 +20967,16 @@
                   <a:schemeClr val="dk1"/>
                 </a:solidFill>
               </a:rPr>
-              <a:t>Login feature for users can be added</a:t>
-            </a:r>
-            <a:endParaRPr sz="1800"/>
-          </a:p>
-          <a:p>
-            <a:pPr indent="-368300" lvl="0" marL="342900" marR="0" rtl="0" algn="l">
+              <a:t>Build User Interface for the application</a:t>
+            </a:r>
+            <a:endParaRPr sz="2200">
+              <a:solidFill>
+                <a:schemeClr val="dk1"/>
+              </a:solidFill>
+            </a:endParaRPr>
+          </a:p>
+          <a:p>
+            <a:pPr indent="-368300" lvl="0" marL="457200" rtl="0" algn="l">
               <a:lnSpc>
                 <a:spcPct val="150000"/>
               </a:lnSpc>
@@ -20443,7 +20998,7 @@
                   <a:schemeClr val="dk1"/>
                 </a:solidFill>
               </a:rPr>
-              <a:t>Can be extended as mobile app</a:t>
+              <a:t>Integrate the application with a database</a:t>
             </a:r>
             <a:endParaRPr sz="2200">
               <a:solidFill>
@@ -20474,7 +21029,34 @@
                   <a:schemeClr val="dk1"/>
                 </a:solidFill>
               </a:rPr>
-              <a:t>Build UI for the application</a:t>
+              <a:t>Login feature for users can be added</a:t>
+            </a:r>
+            <a:endParaRPr sz="1800"/>
+          </a:p>
+          <a:p>
+            <a:pPr indent="-368300" lvl="0" marL="342900" marR="0" rtl="0" algn="l">
+              <a:lnSpc>
+                <a:spcPct val="150000"/>
+              </a:lnSpc>
+              <a:spcBef>
+                <a:spcPts val="0"/>
+              </a:spcBef>
+              <a:spcAft>
+                <a:spcPts val="0"/>
+              </a:spcAft>
+              <a:buClr>
+                <a:schemeClr val="dk1"/>
+              </a:buClr>
+              <a:buSzPts val="2200"/>
+              <a:buAutoNum type="arabicPeriod"/>
+            </a:pPr>
+            <a:r>
+              <a:rPr lang="en-US" sz="2200">
+                <a:solidFill>
+                  <a:schemeClr val="dk1"/>
+                </a:solidFill>
+              </a:rPr>
+              <a:t>Improve the efficiency by implementing more design patterns</a:t>
             </a:r>
             <a:endParaRPr sz="2200">
               <a:solidFill>
@@ -20505,38 +21087,7 @@
                   <a:schemeClr val="dk1"/>
                 </a:solidFill>
               </a:rPr>
-              <a:t>Integrate the application with a data base</a:t>
-            </a:r>
-            <a:endParaRPr sz="2200">
-              <a:solidFill>
-                <a:schemeClr val="dk1"/>
-              </a:solidFill>
-            </a:endParaRPr>
-          </a:p>
-          <a:p>
-            <a:pPr indent="-368300" lvl="0" marL="342900" marR="0" rtl="0" algn="l">
-              <a:lnSpc>
-                <a:spcPct val="150000"/>
-              </a:lnSpc>
-              <a:spcBef>
-                <a:spcPts val="0"/>
-              </a:spcBef>
-              <a:spcAft>
-                <a:spcPts val="0"/>
-              </a:spcAft>
-              <a:buClr>
-                <a:schemeClr val="dk1"/>
-              </a:buClr>
-              <a:buSzPts val="2200"/>
-              <a:buAutoNum type="arabicPeriod"/>
-            </a:pPr>
-            <a:r>
-              <a:rPr lang="en-US" sz="2200">
-                <a:solidFill>
-                  <a:schemeClr val="dk1"/>
-                </a:solidFill>
-              </a:rPr>
-              <a:t>Improve Scalability</a:t>
+              <a:t>Improve Scalability to handle millions of users</a:t>
             </a:r>
             <a:endParaRPr sz="2200">
               <a:solidFill>
@@ -20554,7 +21105,7 @@
 </p:sld>
 </file>
 
-<file path=ppt/slides/slide17.xml><?xml version="1.0" encoding="utf-8"?>
+<file path=ppt/slides/slide18.xml><?xml version="1.0" encoding="utf-8"?>
 <p:sld xmlns:a="http://schemas.openxmlformats.org/drawingml/2006/main" xmlns:r="http://schemas.openxmlformats.org/officeDocument/2006/relationships" xmlns:mc="http://schemas.openxmlformats.org/markup-compatibility/2006" xmlns:mv="urn:schemas-microsoft-com:mac:vml" xmlns:p="http://schemas.openxmlformats.org/presentationml/2006/main" xmlns:c="http://schemas.openxmlformats.org/drawingml/2006/chart" xmlns:dgm="http://schemas.openxmlformats.org/drawingml/2006/diagram" xmlns:o="urn:schemas-microsoft-com:office:office" xmlns:v="urn:schemas-microsoft-com:vml" xmlns:pvml="urn:schemas-microsoft-com:office:powerpoint" xmlns:com="http://schemas.openxmlformats.org/drawingml/2006/compatibility" xmlns:p14="http://schemas.microsoft.com/office/powerpoint/2010/main" xmlns:p15="http://schemas.microsoft.com/office/powerpoint/2012/main" xmlns:ahyp="http://schemas.microsoft.com/office/drawing/2018/hyperlinkcolor">
   <p:cSld>
     <p:bg>
@@ -20568,7 +21119,7 @@
     </p:bg>
     <p:spTree>
       <p:nvGrpSpPr>
-        <p:cNvPr id="271" name="Shape 271"/>
+        <p:cNvPr id="282" name="Shape 282"/>
         <p:cNvGrpSpPr/>
         <p:nvPr/>
       </p:nvGrpSpPr>
@@ -20582,7 +21133,7 @@
       </p:grpSpPr>
       <p:sp>
         <p:nvSpPr>
-          <p:cNvPr id="272" name="Google Shape;272;p31"/>
+          <p:cNvPr id="283" name="Google Shape;283;p32"/>
           <p:cNvSpPr/>
           <p:nvPr/>
         </p:nvSpPr>
@@ -20635,7 +21186,7 @@
       </p:sp>
       <p:sp>
         <p:nvSpPr>
-          <p:cNvPr id="273" name="Google Shape;273;p31"/>
+          <p:cNvPr id="284" name="Google Shape;284;p32"/>
           <p:cNvSpPr txBox="1"/>
           <p:nvPr>
             <p:ph type="ctrTitle"/>
@@ -20703,7 +21254,7 @@
       </p:sp>
       <p:sp>
         <p:nvSpPr>
-          <p:cNvPr id="274" name="Google Shape;274;p31"/>
+          <p:cNvPr id="285" name="Google Shape;285;p32"/>
           <p:cNvSpPr/>
           <p:nvPr/>
         </p:nvSpPr>
@@ -20754,7 +21305,7 @@
       </p:sp>
       <p:cxnSp>
         <p:nvCxnSpPr>
-          <p:cNvPr id="275" name="Google Shape;275;p31"/>
+          <p:cNvPr id="286" name="Google Shape;286;p32"/>
           <p:cNvCxnSpPr/>
           <p:nvPr/>
         </p:nvCxnSpPr>
@@ -20780,7 +21331,7 @@
       </p:cxnSp>
       <p:pic>
         <p:nvPicPr>
-          <p:cNvPr descr="A blue and white background&#10;&#10;Description automatically generated with medium confidence" id="276" name="Google Shape;276;p31"/>
+          <p:cNvPr descr="A blue and white background&#10;&#10;Description automatically generated with medium confidence" id="287" name="Google Shape;287;p32"/>
           <p:cNvPicPr preferRelativeResize="0"/>
           <p:nvPr/>
         </p:nvPicPr>
@@ -20807,7 +21358,7 @@
       </p:pic>
       <p:sp>
         <p:nvSpPr>
-          <p:cNvPr id="277" name="Google Shape;277;p31"/>
+          <p:cNvPr id="288" name="Google Shape;288;p32"/>
           <p:cNvSpPr txBox="1"/>
           <p:nvPr/>
         </p:nvSpPr>
@@ -20941,7 +21492,7 @@
       </p:sp>
       <p:sp>
         <p:nvSpPr>
-          <p:cNvPr id="278" name="Google Shape;278;p31"/>
+          <p:cNvPr id="289" name="Google Shape;289;p32"/>
           <p:cNvSpPr txBox="1"/>
           <p:nvPr/>
         </p:nvSpPr>
@@ -21125,7 +21676,7 @@
       </p:sp>
       <p:sp>
         <p:nvSpPr>
-          <p:cNvPr id="279" name="Google Shape;279;p31"/>
+          <p:cNvPr id="290" name="Google Shape;290;p32"/>
           <p:cNvSpPr txBox="1"/>
           <p:nvPr/>
         </p:nvSpPr>
@@ -21262,7 +21813,7 @@
       </p:sp>
       <p:sp>
         <p:nvSpPr>
-          <p:cNvPr id="280" name="Google Shape;280;p31"/>
+          <p:cNvPr id="291" name="Google Shape;291;p32"/>
           <p:cNvSpPr txBox="1"/>
           <p:nvPr/>
         </p:nvSpPr>
@@ -21425,7 +21976,7 @@
 </p:sld>
 </file>
 
-<file path=ppt/slides/slide18.xml><?xml version="1.0" encoding="utf-8"?>
+<file path=ppt/slides/slide19.xml><?xml version="1.0" encoding="utf-8"?>
 <p:sld xmlns:a="http://schemas.openxmlformats.org/drawingml/2006/main" xmlns:r="http://schemas.openxmlformats.org/officeDocument/2006/relationships" xmlns:mc="http://schemas.openxmlformats.org/markup-compatibility/2006" xmlns:mv="urn:schemas-microsoft-com:mac:vml" xmlns:p="http://schemas.openxmlformats.org/presentationml/2006/main" xmlns:c="http://schemas.openxmlformats.org/drawingml/2006/chart" xmlns:dgm="http://schemas.openxmlformats.org/drawingml/2006/diagram" xmlns:o="urn:schemas-microsoft-com:office:office" xmlns:v="urn:schemas-microsoft-com:vml" xmlns:pvml="urn:schemas-microsoft-com:office:powerpoint" xmlns:com="http://schemas.openxmlformats.org/drawingml/2006/compatibility" xmlns:p14="http://schemas.microsoft.com/office/powerpoint/2010/main" xmlns:p15="http://schemas.microsoft.com/office/powerpoint/2012/main" xmlns:ahyp="http://schemas.microsoft.com/office/drawing/2018/hyperlinkcolor">
   <p:cSld>
     <p:bg>
@@ -21437,7 +21988,7 @@
     </p:bg>
     <p:spTree>
       <p:nvGrpSpPr>
-        <p:cNvPr id="284" name="Shape 284"/>
+        <p:cNvPr id="295" name="Shape 295"/>
         <p:cNvGrpSpPr/>
         <p:nvPr/>
       </p:nvGrpSpPr>
@@ -21451,7 +22002,7 @@
       </p:grpSpPr>
       <p:sp>
         <p:nvSpPr>
-          <p:cNvPr id="285" name="Google Shape;285;p32"/>
+          <p:cNvPr id="296" name="Google Shape;296;p33"/>
           <p:cNvSpPr/>
           <p:nvPr/>
         </p:nvSpPr>
@@ -21502,7 +22053,7 @@
       </p:sp>
       <p:pic>
         <p:nvPicPr>
-          <p:cNvPr descr="Blue and red smoke colliding" id="286" name="Google Shape;286;p32"/>
+          <p:cNvPr descr="Blue and red smoke colliding" id="297" name="Google Shape;297;p33"/>
           <p:cNvPicPr preferRelativeResize="0"/>
           <p:nvPr/>
         </p:nvPicPr>
@@ -21529,7 +22080,7 @@
       </p:pic>
       <p:sp>
         <p:nvSpPr>
-          <p:cNvPr id="287" name="Google Shape;287;p32"/>
+          <p:cNvPr id="298" name="Google Shape;298;p33"/>
           <p:cNvSpPr/>
           <p:nvPr/>
         </p:nvSpPr>
@@ -21580,7 +22131,7 @@
       </p:sp>
       <p:sp>
         <p:nvSpPr>
-          <p:cNvPr id="288" name="Google Shape;288;p32"/>
+          <p:cNvPr id="299" name="Google Shape;299;p33"/>
           <p:cNvSpPr txBox="1"/>
           <p:nvPr>
             <p:ph type="ctrTitle"/>
@@ -21636,7 +22187,7 @@
       </p:sp>
       <p:cxnSp>
         <p:nvCxnSpPr>
-          <p:cNvPr id="289" name="Google Shape;289;p32"/>
+          <p:cNvPr id="300" name="Google Shape;300;p33"/>
           <p:cNvCxnSpPr/>
           <p:nvPr/>
         </p:nvCxnSpPr>
@@ -21702,7 +22253,7 @@
                                           </p:stCondLst>
                                         </p:cTn>
                                         <p:tgtEl>
-                                          <p:spTgt spid="288"/>
+                                          <p:spTgt spid="299"/>
                                         </p:tgtEl>
                                         <p:attrNameLst>
                                           <p:attrName>style.visibility</p:attrName>
@@ -21716,7 +22267,7 @@
                                       <p:cBhvr>
                                         <p:cTn dur="700"/>
                                         <p:tgtEl>
-                                          <p:spTgt spid="288"/>
+                                          <p:spTgt spid="299"/>
                                         </p:tgtEl>
                                       </p:cBhvr>
                                     </p:animEffect>
@@ -24404,7 +24955,7 @@
         <p:spPr>
           <a:xfrm>
             <a:off x="762000" y="1993825"/>
-            <a:ext cx="5178000" cy="4099800"/>
+            <a:ext cx="4702500" cy="2666400"/>
           </a:xfrm>
           <a:prstGeom prst="rect">
             <a:avLst/>
@@ -24517,7 +25068,19 @@
                 <a:cs typeface="Oswald"/>
                 <a:sym typeface="Oswald"/>
               </a:rPr>
-              <a:t>Builder Design Pattern</a:t>
+              <a:t>Decorator</a:t>
+            </a:r>
+            <a:r>
+              <a:rPr lang="en-US" sz="3200">
+                <a:solidFill>
+                  <a:schemeClr val="dk1"/>
+                </a:solidFill>
+                <a:latin typeface="Oswald"/>
+                <a:ea typeface="Oswald"/>
+                <a:cs typeface="Oswald"/>
+                <a:sym typeface="Oswald"/>
+              </a:rPr>
+              <a:t> Design Pattern</a:t>
             </a:r>
             <a:endParaRPr/>
           </a:p>
@@ -24559,7 +25122,7 @@
         <p:spPr>
           <a:xfrm>
             <a:off x="679675" y="2142975"/>
-            <a:ext cx="4959000" cy="4099800"/>
+            <a:ext cx="4702500" cy="2285400"/>
           </a:xfrm>
           <a:prstGeom prst="rect">
             <a:avLst/>
@@ -24585,28 +25148,29 @@
               <a:buNone/>
             </a:pPr>
             <a:r>
-              <a:rPr lang="en-US" sz="1600"/>
-              <a:t>Used Builder Pattern to create objects</a:t>
-            </a:r>
-            <a:endParaRPr sz="1600"/>
-          </a:p>
-          <a:p>
-            <a:pPr indent="0" lvl="0" marL="0" rtl="0" algn="l">
-              <a:spcBef>
-                <a:spcPts val="0"/>
-              </a:spcBef>
-              <a:spcAft>
-                <a:spcPts val="0"/>
-              </a:spcAft>
-              <a:buNone/>
-            </a:pPr>
-            <a:r>
-              <a:t/>
-            </a:r>
-            <a:endParaRPr sz="1600"/>
-          </a:p>
-          <a:p>
-            <a:pPr indent="-330200" lvl="0" marL="457200" rtl="0" algn="l">
+              <a:rPr lang="en-US" sz="1600">
+                <a:solidFill>
+                  <a:schemeClr val="dk1"/>
+                </a:solidFill>
+              </a:rPr>
+              <a:t>Used Decorator Pattern </a:t>
+            </a:r>
+            <a:r>
+              <a:rPr lang="en-US" sz="1600">
+                <a:solidFill>
+                  <a:schemeClr val="dk1"/>
+                </a:solidFill>
+              </a:rPr>
+              <a:t>to decorate the different dishes in an Order</a:t>
+            </a:r>
+            <a:endParaRPr sz="1600">
+              <a:solidFill>
+                <a:schemeClr val="dk1"/>
+              </a:solidFill>
+            </a:endParaRPr>
+          </a:p>
+          <a:p>
+            <a:pPr indent="-330200" lvl="0" marL="914400" rtl="0" algn="l">
               <a:lnSpc>
                 <a:spcPct val="115000"/>
               </a:lnSpc>
@@ -24616,8 +25180,11 @@
               <a:spcAft>
                 <a:spcPts val="0"/>
               </a:spcAft>
+              <a:buClr>
+                <a:schemeClr val="accent6"/>
+              </a:buClr>
               <a:buSzPts val="1600"/>
-              <a:buChar char="➔"/>
+              <a:buChar char="-"/>
             </a:pPr>
             <a:r>
               <a:rPr b="1" lang="en-US" sz="1600">
@@ -24625,13 +25192,128 @@
                   <a:schemeClr val="accent6"/>
                 </a:solidFill>
               </a:rPr>
-              <a:t>OrderBuilder</a:t>
-            </a:r>
-            <a:r>
-              <a:rPr lang="en-US" sz="1600"/>
-              <a:t> is the builder interface that has the steps to build an Order object.</a:t>
-            </a:r>
-            <a:endParaRPr sz="1600"/>
+              <a:t>ExtraProteinDecorator</a:t>
+            </a:r>
+            <a:endParaRPr b="1" sz="1600">
+              <a:solidFill>
+                <a:schemeClr val="accent6"/>
+              </a:solidFill>
+            </a:endParaRPr>
+          </a:p>
+          <a:p>
+            <a:pPr indent="-330200" lvl="0" marL="914400" rtl="0" algn="l">
+              <a:lnSpc>
+                <a:spcPct val="115000"/>
+              </a:lnSpc>
+              <a:spcBef>
+                <a:spcPts val="0"/>
+              </a:spcBef>
+              <a:spcAft>
+                <a:spcPts val="0"/>
+              </a:spcAft>
+              <a:buClr>
+                <a:schemeClr val="accent6"/>
+              </a:buClr>
+              <a:buSzPts val="1600"/>
+              <a:buChar char="-"/>
+            </a:pPr>
+            <a:r>
+              <a:rPr b="1" lang="en-US" sz="1600">
+                <a:solidFill>
+                  <a:schemeClr val="accent6"/>
+                </a:solidFill>
+              </a:rPr>
+              <a:t>ExtraRiceDecorator</a:t>
+            </a:r>
+            <a:endParaRPr b="1" sz="2100">
+              <a:solidFill>
+                <a:schemeClr val="accent6"/>
+              </a:solidFill>
+            </a:endParaRPr>
+          </a:p>
+          <a:p>
+            <a:pPr indent="-330200" lvl="0" marL="914400" rtl="0" algn="l">
+              <a:lnSpc>
+                <a:spcPct val="115000"/>
+              </a:lnSpc>
+              <a:spcBef>
+                <a:spcPts val="0"/>
+              </a:spcBef>
+              <a:spcAft>
+                <a:spcPts val="0"/>
+              </a:spcAft>
+              <a:buClr>
+                <a:schemeClr val="accent6"/>
+              </a:buClr>
+              <a:buSzPts val="1600"/>
+              <a:buChar char="-"/>
+            </a:pPr>
+            <a:r>
+              <a:rPr b="1" lang="en-US" sz="1600">
+                <a:solidFill>
+                  <a:schemeClr val="accent6"/>
+                </a:solidFill>
+              </a:rPr>
+              <a:t>ExtraSpicyDecorator</a:t>
+            </a:r>
+            <a:endParaRPr b="1" sz="1600">
+              <a:solidFill>
+                <a:schemeClr val="accent6"/>
+              </a:solidFill>
+            </a:endParaRPr>
+          </a:p>
+          <a:p>
+            <a:pPr indent="-330200" lvl="0" marL="914400" rtl="0" algn="l">
+              <a:lnSpc>
+                <a:spcPct val="115000"/>
+              </a:lnSpc>
+              <a:spcBef>
+                <a:spcPts val="0"/>
+              </a:spcBef>
+              <a:spcAft>
+                <a:spcPts val="0"/>
+              </a:spcAft>
+              <a:buClr>
+                <a:schemeClr val="accent6"/>
+              </a:buClr>
+              <a:buSzPts val="1600"/>
+              <a:buChar char="-"/>
+            </a:pPr>
+            <a:r>
+              <a:rPr b="1" lang="en-US" sz="1600">
+                <a:solidFill>
+                  <a:schemeClr val="accent6"/>
+                </a:solidFill>
+              </a:rPr>
+              <a:t>MildSpicyDecorator</a:t>
+            </a:r>
+            <a:endParaRPr b="1" sz="1600">
+              <a:solidFill>
+                <a:schemeClr val="accent6"/>
+              </a:solidFill>
+            </a:endParaRPr>
+          </a:p>
+          <a:p>
+            <a:pPr indent="0" lvl="0" marL="914400" rtl="0" algn="l">
+              <a:lnSpc>
+                <a:spcPct val="115000"/>
+              </a:lnSpc>
+              <a:spcBef>
+                <a:spcPts val="1200"/>
+              </a:spcBef>
+              <a:spcAft>
+                <a:spcPts val="0"/>
+              </a:spcAft>
+              <a:buNone/>
+            </a:pPr>
+            <a:r>
+              <a:t/>
+            </a:r>
+            <a:endParaRPr b="1" sz="1600">
+              <a:solidFill>
+                <a:schemeClr val="dk1"/>
+              </a:solidFill>
+            </a:endParaRPr>
           </a:p>
           <a:p>
             <a:pPr indent="0" lvl="0" marL="457200" rtl="0" algn="l">
@@ -24649,10 +25331,14 @@
             <a:r>
               <a:t/>
             </a:r>
-            <a:endParaRPr sz="1600"/>
-          </a:p>
-          <a:p>
-            <a:pPr indent="-330200" lvl="0" marL="457200" rtl="0" algn="l">
+            <a:endParaRPr b="1" sz="1600">
+              <a:solidFill>
+                <a:schemeClr val="dk1"/>
+              </a:solidFill>
+            </a:endParaRPr>
+          </a:p>
+          <a:p>
+            <a:pPr indent="0" lvl="0" marL="457200" rtl="0" algn="l">
               <a:lnSpc>
                 <a:spcPct val="115000"/>
               </a:lnSpc>
@@ -24662,25 +25348,19 @@
               <a:spcAft>
                 <a:spcPts val="0"/>
               </a:spcAft>
-              <a:buSzPts val="1600"/>
-              <a:buChar char="➔"/>
-            </a:pPr>
-            <a:r>
-              <a:rPr b="1" lang="en-US" sz="1600">
-                <a:solidFill>
-                  <a:schemeClr val="accent6"/>
-                </a:solidFill>
-              </a:rPr>
-              <a:t>TakeAwayOrderBuilder</a:t>
-            </a:r>
-            <a:r>
-              <a:rPr lang="en-US" sz="1600"/>
-              <a:t> extends Order and represents a Take away order</a:t>
-            </a:r>
-            <a:endParaRPr sz="1600"/>
-          </a:p>
-          <a:p>
-            <a:pPr indent="0" lvl="0" marL="0" rtl="0" algn="l">
+              <a:buNone/>
+            </a:pPr>
+            <a:r>
+              <a:t/>
+            </a:r>
+            <a:endParaRPr b="1" sz="1600">
+              <a:solidFill>
+                <a:schemeClr val="dk1"/>
+              </a:solidFill>
+            </a:endParaRPr>
+          </a:p>
+          <a:p>
+            <a:pPr indent="0" lvl="0" marL="457200" rtl="0" algn="l">
               <a:lnSpc>
                 <a:spcPct val="115000"/>
               </a:lnSpc>
@@ -24695,50 +25375,30 @@
             <a:r>
               <a:t/>
             </a:r>
-            <a:endParaRPr sz="1600"/>
-          </a:p>
-          <a:p>
-            <a:pPr indent="-330200" lvl="0" marL="457200" rtl="0" algn="l">
-              <a:lnSpc>
-                <a:spcPct val="115000"/>
-              </a:lnSpc>
+            <a:endParaRPr b="1" sz="1600">
+              <a:solidFill>
+                <a:schemeClr val="dk1"/>
+              </a:solidFill>
+            </a:endParaRPr>
+          </a:p>
+          <a:p>
+            <a:pPr indent="0" lvl="0" marL="457200" rtl="0" algn="l">
               <a:spcBef>
                 <a:spcPts val="1200"/>
               </a:spcBef>
               <a:spcAft>
                 <a:spcPts val="0"/>
               </a:spcAft>
-              <a:buSzPts val="1600"/>
-              <a:buChar char="➔"/>
-            </a:pPr>
-            <a:r>
-              <a:rPr b="1" lang="en-US" sz="1600">
-                <a:solidFill>
-                  <a:schemeClr val="accent6"/>
-                </a:solidFill>
-              </a:rPr>
-              <a:t>DineInOrderBuilder</a:t>
-            </a:r>
-            <a:r>
-              <a:rPr lang="en-US" sz="1600"/>
-              <a:t> extends Order and represents a Dine In order</a:t>
-            </a:r>
-            <a:endParaRPr sz="1600"/>
-          </a:p>
-          <a:p>
-            <a:pPr indent="0" lvl="0" marL="457200" rtl="0" algn="l">
-              <a:spcBef>
-                <a:spcPts val="1200"/>
-              </a:spcBef>
-              <a:spcAft>
-                <a:spcPts val="0"/>
-              </a:spcAft>
               <a:buNone/>
             </a:pPr>
             <a:r>
               <a:t/>
             </a:r>
-            <a:endParaRPr b="1" sz="1600"/>
+            <a:endParaRPr b="1" sz="1600">
+              <a:solidFill>
+                <a:schemeClr val="dk1"/>
+              </a:solidFill>
+            </a:endParaRPr>
           </a:p>
           <a:p>
             <a:pPr indent="0" lvl="0" marL="0" rtl="0" algn="l">
@@ -24753,7 +25413,11 @@
             <a:r>
               <a:t/>
             </a:r>
-            <a:endParaRPr sz="1600"/>
+            <a:endParaRPr sz="1600">
+              <a:solidFill>
+                <a:schemeClr val="dk1"/>
+              </a:solidFill>
+            </a:endParaRPr>
           </a:p>
           <a:p>
             <a:pPr indent="0" lvl="0" marL="0" rtl="0" algn="l">
@@ -24768,7 +25432,11 @@
             <a:r>
               <a:t/>
             </a:r>
-            <a:endParaRPr sz="1600"/>
+            <a:endParaRPr sz="1600">
+              <a:solidFill>
+                <a:schemeClr val="dk1"/>
+              </a:solidFill>
+            </a:endParaRPr>
           </a:p>
           <a:p>
             <a:pPr indent="0" lvl="0" marL="0" rtl="0" algn="l">
@@ -24783,7 +25451,11 @@
             <a:r>
               <a:t/>
             </a:r>
-            <a:endParaRPr sz="1600"/>
+            <a:endParaRPr sz="1600">
+              <a:solidFill>
+                <a:schemeClr val="dk1"/>
+              </a:solidFill>
+            </a:endParaRPr>
           </a:p>
         </p:txBody>
       </p:sp>
@@ -24906,7 +25578,7 @@
         <p:spPr>
           <a:xfrm>
             <a:off x="762000" y="1993825"/>
-            <a:ext cx="5178000" cy="2666400"/>
+            <a:ext cx="5178000" cy="4099800"/>
           </a:xfrm>
           <a:prstGeom prst="rect">
             <a:avLst/>
@@ -25019,19 +25691,7 @@
                 <a:cs typeface="Oswald"/>
                 <a:sym typeface="Oswald"/>
               </a:rPr>
-              <a:t>Prototype</a:t>
-            </a:r>
-            <a:r>
-              <a:rPr lang="en-US" sz="3200">
-                <a:solidFill>
-                  <a:schemeClr val="dk1"/>
-                </a:solidFill>
-                <a:latin typeface="Oswald"/>
-                <a:ea typeface="Oswald"/>
-                <a:cs typeface="Oswald"/>
-                <a:sym typeface="Oswald"/>
-              </a:rPr>
-              <a:t> Design Pattern</a:t>
+              <a:t>Builder Design Pattern</a:t>
             </a:r>
             <a:endParaRPr/>
           </a:p>
@@ -25073,7 +25733,7 @@
         <p:spPr>
           <a:xfrm>
             <a:off x="679675" y="2142975"/>
-            <a:ext cx="5178000" cy="2793300"/>
+            <a:ext cx="4959000" cy="4099800"/>
           </a:xfrm>
           <a:prstGeom prst="rect">
             <a:avLst/>
@@ -25100,7 +25760,22 @@
             </a:pPr>
             <a:r>
               <a:rPr lang="en-US" sz="1600"/>
-              <a:t>Used Prototype Pattern </a:t>
+              <a:t>Used Builder Pattern to create objects</a:t>
+            </a:r>
+            <a:endParaRPr sz="1600"/>
+          </a:p>
+          <a:p>
+            <a:pPr indent="0" lvl="0" marL="0" rtl="0" algn="l">
+              <a:spcBef>
+                <a:spcPts val="0"/>
+              </a:spcBef>
+              <a:spcAft>
+                <a:spcPts val="0"/>
+              </a:spcAft>
+              <a:buNone/>
+            </a:pPr>
+            <a:r>
+              <a:t/>
             </a:r>
             <a:endParaRPr sz="1600"/>
           </a:p>
@@ -25115,9 +25790,6 @@
               <a:spcAft>
                 <a:spcPts val="0"/>
               </a:spcAft>
-              <a:buClr>
-                <a:schemeClr val="dk1"/>
-              </a:buClr>
               <a:buSzPts val="1600"/>
               <a:buChar char="➔"/>
             </a:pPr>
@@ -25127,21 +25799,59 @@
                   <a:schemeClr val="accent6"/>
                 </a:solidFill>
               </a:rPr>
-              <a:t>MenuItem</a:t>
-            </a:r>
-            <a:r>
-              <a:rPr lang="en-US" sz="1600">
-                <a:solidFill>
-                  <a:schemeClr val="dk1"/>
+              <a:t>OrderBuilder</a:t>
+            </a:r>
+            <a:r>
+              <a:rPr lang="en-US" sz="1600"/>
+              <a:t> is the builder interface that has the steps to build an Order object.</a:t>
+            </a:r>
+            <a:endParaRPr sz="1600"/>
+          </a:p>
+          <a:p>
+            <a:pPr indent="0" lvl="0" marL="457200" rtl="0" algn="l">
+              <a:lnSpc>
+                <a:spcPct val="115000"/>
+              </a:lnSpc>
+              <a:spcBef>
+                <a:spcPts val="1200"/>
+              </a:spcBef>
+              <a:spcAft>
+                <a:spcPts val="0"/>
+              </a:spcAft>
+              <a:buNone/>
+            </a:pPr>
+            <a:r>
+              <a:t/>
+            </a:r>
+            <a:endParaRPr sz="1600"/>
+          </a:p>
+          <a:p>
+            <a:pPr indent="-330200" lvl="0" marL="457200" rtl="0" algn="l">
+              <a:lnSpc>
+                <a:spcPct val="115000"/>
+              </a:lnSpc>
+              <a:spcBef>
+                <a:spcPts val="1200"/>
+              </a:spcBef>
+              <a:spcAft>
+                <a:spcPts val="0"/>
+              </a:spcAft>
+              <a:buSzPts val="1600"/>
+              <a:buChar char="➔"/>
+            </a:pPr>
+            <a:r>
+              <a:rPr b="1" lang="en-US" sz="1600">
+                <a:solidFill>
+                  <a:schemeClr val="accent6"/>
                 </a:solidFill>
               </a:rPr>
-              <a:t> is an abstract class that implements the Cloneable interface</a:t>
-            </a:r>
-            <a:endParaRPr sz="1600">
-              <a:solidFill>
-                <a:schemeClr val="dk1"/>
-              </a:solidFill>
-            </a:endParaRPr>
+              <a:t>TakeAwayOrderBuilder</a:t>
+            </a:r>
+            <a:r>
+              <a:rPr lang="en-US" sz="1600"/>
+              <a:t> extends Order and represents a Take away order</a:t>
+            </a:r>
+            <a:endParaRPr sz="1600"/>
           </a:p>
           <a:p>
             <a:pPr indent="0" lvl="0" marL="0" rtl="0" algn="l">
@@ -25159,11 +25869,7 @@
             <a:r>
               <a:t/>
             </a:r>
-            <a:endParaRPr sz="1600">
-              <a:solidFill>
-                <a:schemeClr val="dk1"/>
-              </a:solidFill>
-            </a:endParaRPr>
+            <a:endParaRPr sz="1600"/>
           </a:p>
           <a:p>
             <a:pPr indent="-330200" lvl="0" marL="457200" rtl="0" algn="l">
@@ -25176,9 +25882,6 @@
               <a:spcAft>
                 <a:spcPts val="0"/>
               </a:spcAft>
-              <a:buClr>
-                <a:schemeClr val="dk1"/>
-              </a:buClr>
               <a:buSzPts val="1600"/>
               <a:buChar char="➔"/>
             </a:pPr>
@@ -25188,43 +25891,13 @@
                   <a:schemeClr val="accent6"/>
                 </a:solidFill>
               </a:rPr>
-              <a:t>MenuRegistry</a:t>
-            </a:r>
-            <a:r>
-              <a:rPr lang="en-US" sz="1600">
-                <a:solidFill>
-                  <a:schemeClr val="dk1"/>
-                </a:solidFill>
-              </a:rPr>
-              <a:t> is a central location of the different menu items. Anytime we need a menu item we get a clone of a menu item from here.</a:t>
-            </a:r>
-            <a:endParaRPr sz="1600">
-              <a:solidFill>
-                <a:schemeClr val="dk1"/>
-              </a:solidFill>
-            </a:endParaRPr>
-          </a:p>
-          <a:p>
-            <a:pPr indent="0" lvl="0" marL="457200" rtl="0" algn="l">
-              <a:lnSpc>
-                <a:spcPct val="115000"/>
-              </a:lnSpc>
-              <a:spcBef>
-                <a:spcPts val="1200"/>
-              </a:spcBef>
-              <a:spcAft>
-                <a:spcPts val="0"/>
-              </a:spcAft>
-              <a:buNone/>
-            </a:pPr>
-            <a:r>
-              <a:t/>
-            </a:r>
-            <a:endParaRPr b="1" sz="1600">
-              <a:solidFill>
-                <a:schemeClr val="accent6"/>
-              </a:solidFill>
-            </a:endParaRPr>
+              <a:t>DineInOrderBuilder</a:t>
+            </a:r>
+            <a:r>
+              <a:rPr lang="en-US" sz="1600"/>
+              <a:t> extends Order and represents a Dine In order</a:t>
+            </a:r>
+            <a:endParaRPr sz="1600"/>
           </a:p>
           <a:p>
             <a:pPr indent="0" lvl="0" marL="457200" rtl="0" algn="l">
@@ -25407,7 +26080,7 @@
         <p:spPr>
           <a:xfrm>
             <a:off x="762000" y="1993825"/>
-            <a:ext cx="5178000" cy="2666400"/>
+            <a:ext cx="4702500" cy="2666400"/>
           </a:xfrm>
           <a:prstGeom prst="rect">
             <a:avLst/>
@@ -25520,7 +26193,7 @@
                 <a:cs typeface="Oswald"/>
                 <a:sym typeface="Oswald"/>
               </a:rPr>
-              <a:t>Strategy</a:t>
+              <a:t>Adapter</a:t>
             </a:r>
             <a:r>
               <a:rPr lang="en-US" sz="3200">
@@ -25574,7 +26247,7 @@
         <p:spPr>
           <a:xfrm>
             <a:off x="679675" y="2142975"/>
-            <a:ext cx="5178000" cy="2793300"/>
+            <a:ext cx="4702500" cy="2285400"/>
           </a:xfrm>
           <a:prstGeom prst="rect">
             <a:avLst/>
@@ -25590,20 +26263,128 @@
           </a:bodyPr>
           <a:lstStyle/>
           <a:p>
-            <a:pPr indent="0" lvl="0" marL="0" rtl="0" algn="l">
-              <a:spcBef>
-                <a:spcPts val="0"/>
-              </a:spcBef>
-              <a:spcAft>
-                <a:spcPts val="0"/>
-              </a:spcAft>
-              <a:buNone/>
-            </a:pPr>
-            <a:r>
-              <a:rPr lang="en-US" sz="1600"/>
-              <a:t>Used Strategy Pattern </a:t>
-            </a:r>
-            <a:endParaRPr sz="1600"/>
+            <a:pPr indent="0" lvl="0" marL="457200" rtl="0" algn="l">
+              <a:spcBef>
+                <a:spcPts val="0"/>
+              </a:spcBef>
+              <a:spcAft>
+                <a:spcPts val="0"/>
+              </a:spcAft>
+              <a:buNone/>
+            </a:pPr>
+            <a:r>
+              <a:rPr lang="en-US" sz="1600">
+                <a:solidFill>
+                  <a:schemeClr val="dk1"/>
+                </a:solidFill>
+              </a:rPr>
+              <a:t>Used Adapter Pattern to implement Delivery modes</a:t>
+            </a:r>
+            <a:endParaRPr sz="1600">
+              <a:solidFill>
+                <a:schemeClr val="dk1"/>
+              </a:solidFill>
+            </a:endParaRPr>
+          </a:p>
+          <a:p>
+            <a:pPr indent="-330200" lvl="0" marL="914400" rtl="0" algn="l">
+              <a:lnSpc>
+                <a:spcPct val="115000"/>
+              </a:lnSpc>
+              <a:spcBef>
+                <a:spcPts val="1200"/>
+              </a:spcBef>
+              <a:spcAft>
+                <a:spcPts val="0"/>
+              </a:spcAft>
+              <a:buClr>
+                <a:schemeClr val="dk1"/>
+              </a:buClr>
+              <a:buSzPts val="1600"/>
+              <a:buChar char="-"/>
+            </a:pPr>
+            <a:r>
+              <a:rPr b="1" lang="en-US" sz="1600">
+                <a:solidFill>
+                  <a:schemeClr val="accent6"/>
+                </a:solidFill>
+              </a:rPr>
+              <a:t>InHouseDelivery</a:t>
+            </a:r>
+            <a:r>
+              <a:rPr lang="en-US" sz="1600">
+                <a:solidFill>
+                  <a:schemeClr val="dk1"/>
+                </a:solidFill>
+              </a:rPr>
+              <a:t> is the Client API</a:t>
+            </a:r>
+            <a:endParaRPr sz="1600">
+              <a:solidFill>
+                <a:schemeClr val="dk1"/>
+              </a:solidFill>
+            </a:endParaRPr>
+          </a:p>
+          <a:p>
+            <a:pPr indent="-330200" lvl="0" marL="914400" rtl="0" algn="l">
+              <a:lnSpc>
+                <a:spcPct val="115000"/>
+              </a:lnSpc>
+              <a:spcBef>
+                <a:spcPts val="0"/>
+              </a:spcBef>
+              <a:spcAft>
+                <a:spcPts val="0"/>
+              </a:spcAft>
+              <a:buClr>
+                <a:schemeClr val="dk1"/>
+              </a:buClr>
+              <a:buSzPts val="1600"/>
+              <a:buChar char="-"/>
+            </a:pPr>
+            <a:r>
+              <a:rPr b="1" lang="en-US" sz="1600">
+                <a:solidFill>
+                  <a:schemeClr val="accent6"/>
+                </a:solidFill>
+              </a:rPr>
+              <a:t>DoorDashDelivery</a:t>
+            </a:r>
+            <a:r>
+              <a:rPr lang="en-US" sz="1600">
+                <a:solidFill>
+                  <a:schemeClr val="dk1"/>
+                </a:solidFill>
+              </a:rPr>
+              <a:t> represents the Third party API</a:t>
+            </a:r>
+            <a:endParaRPr sz="1600">
+              <a:solidFill>
+                <a:schemeClr val="dk1"/>
+              </a:solidFill>
+            </a:endParaRPr>
+          </a:p>
+          <a:p>
+            <a:pPr indent="0" lvl="0" marL="914400" rtl="0" algn="l">
+              <a:lnSpc>
+                <a:spcPct val="115000"/>
+              </a:lnSpc>
+              <a:spcBef>
+                <a:spcPts val="1200"/>
+              </a:spcBef>
+              <a:spcAft>
+                <a:spcPts val="0"/>
+              </a:spcAft>
+              <a:buNone/>
+            </a:pPr>
+            <a:r>
+              <a:t/>
+            </a:r>
+            <a:endParaRPr b="1" sz="1600">
+              <a:solidFill>
+                <a:schemeClr val="dk1"/>
+              </a:solidFill>
+            </a:endParaRPr>
           </a:p>
           <a:p>
             <a:pPr indent="0" lvl="0" marL="457200" rtl="0" algn="l">
@@ -25619,78 +26400,13 @@
               <a:buNone/>
             </a:pPr>
             <a:r>
-              <a:rPr b="1" lang="en-US" sz="1600">
-                <a:solidFill>
-                  <a:schemeClr val="accent6"/>
-                </a:solidFill>
-              </a:rPr>
-              <a:t>PaymentStrategy</a:t>
-            </a:r>
-            <a:r>
-              <a:rPr lang="en-US" sz="1600"/>
-              <a:t> is an interface that represents a  different payment strategies to pay for the order</a:t>
-            </a:r>
-            <a:endParaRPr sz="1600"/>
-          </a:p>
-          <a:p>
-            <a:pPr indent="-330200" lvl="0" marL="457200" rtl="0" algn="l">
-              <a:lnSpc>
-                <a:spcPct val="115000"/>
-              </a:lnSpc>
-              <a:spcBef>
-                <a:spcPts val="1200"/>
-              </a:spcBef>
-              <a:spcAft>
-                <a:spcPts val="0"/>
-              </a:spcAft>
-              <a:buSzPts val="1600"/>
-              <a:buChar char="➔"/>
-            </a:pPr>
-            <a:r>
-              <a:rPr lang="en-US" sz="1600"/>
-              <a:t>OnlinePaymentStrategy</a:t>
-            </a:r>
-            <a:endParaRPr sz="1600"/>
-          </a:p>
-          <a:p>
-            <a:pPr indent="-330200" lvl="0" marL="457200" rtl="0" algn="l">
-              <a:lnSpc>
-                <a:spcPct val="115000"/>
-              </a:lnSpc>
-              <a:spcBef>
-                <a:spcPts val="0"/>
-              </a:spcBef>
-              <a:spcAft>
-                <a:spcPts val="0"/>
-              </a:spcAft>
-              <a:buSzPts val="1600"/>
-              <a:buChar char="➔"/>
-            </a:pPr>
-            <a:r>
-              <a:rPr lang="en-US" sz="1600"/>
-              <a:t>CreditCardPaymentStrategy</a:t>
-            </a:r>
-            <a:endParaRPr sz="1600"/>
-          </a:p>
-          <a:p>
-            <a:pPr indent="-330200" lvl="0" marL="457200" rtl="0" algn="l">
-              <a:lnSpc>
-                <a:spcPct val="115000"/>
-              </a:lnSpc>
-              <a:spcBef>
-                <a:spcPts val="0"/>
-              </a:spcBef>
-              <a:spcAft>
-                <a:spcPts val="0"/>
-              </a:spcAft>
-              <a:buSzPts val="1600"/>
-              <a:buChar char="➔"/>
-            </a:pPr>
-            <a:r>
-              <a:rPr lang="en-US" sz="1600"/>
-              <a:t>CashPaymentStrategy</a:t>
-            </a:r>
-            <a:endParaRPr sz="1600"/>
+              <a:t/>
+            </a:r>
+            <a:endParaRPr b="1" sz="1600">
+              <a:solidFill>
+                <a:schemeClr val="dk1"/>
+              </a:solidFill>
+            </a:endParaRPr>
           </a:p>
           <a:p>
             <a:pPr indent="0" lvl="0" marL="457200" rtl="0" algn="l">
@@ -25708,7 +26424,11 @@
             <a:r>
               <a:t/>
             </a:r>
-            <a:endParaRPr b="1" sz="1600"/>
+            <a:endParaRPr b="1" sz="1600">
+              <a:solidFill>
+                <a:schemeClr val="dk1"/>
+              </a:solidFill>
+            </a:endParaRPr>
           </a:p>
           <a:p>
             <a:pPr indent="0" lvl="0" marL="457200" rtl="0" algn="l">
@@ -25726,7 +26446,11 @@
             <a:r>
               <a:t/>
             </a:r>
-            <a:endParaRPr b="1" sz="1600"/>
+            <a:endParaRPr b="1" sz="1600">
+              <a:solidFill>
+                <a:schemeClr val="dk1"/>
+              </a:solidFill>
+            </a:endParaRPr>
           </a:p>
           <a:p>
             <a:pPr indent="0" lvl="0" marL="457200" rtl="0" algn="l">
@@ -25741,7 +26465,11 @@
             <a:r>
               <a:t/>
             </a:r>
-            <a:endParaRPr b="1" sz="1600"/>
+            <a:endParaRPr b="1" sz="1600">
+              <a:solidFill>
+                <a:schemeClr val="dk1"/>
+              </a:solidFill>
+            </a:endParaRPr>
           </a:p>
           <a:p>
             <a:pPr indent="0" lvl="0" marL="0" rtl="0" algn="l">
@@ -25756,7 +26484,11 @@
             <a:r>
               <a:t/>
             </a:r>
-            <a:endParaRPr sz="1600"/>
+            <a:endParaRPr sz="1600">
+              <a:solidFill>
+                <a:schemeClr val="dk1"/>
+              </a:solidFill>
+            </a:endParaRPr>
           </a:p>
           <a:p>
             <a:pPr indent="0" lvl="0" marL="0" rtl="0" algn="l">
@@ -25771,7 +26503,11 @@
             <a:r>
               <a:t/>
             </a:r>
-            <a:endParaRPr sz="1600"/>
+            <a:endParaRPr sz="1600">
+              <a:solidFill>
+                <a:schemeClr val="dk1"/>
+              </a:solidFill>
+            </a:endParaRPr>
           </a:p>
           <a:p>
             <a:pPr indent="0" lvl="0" marL="0" rtl="0" algn="l">
@@ -25786,7 +26522,11 @@
             <a:r>
               <a:t/>
             </a:r>
-            <a:endParaRPr sz="1600"/>
+            <a:endParaRPr sz="1600">
+              <a:solidFill>
+                <a:schemeClr val="dk1"/>
+              </a:solidFill>
+            </a:endParaRPr>
           </a:p>
         </p:txBody>
       </p:sp>
